--- a/machine-learning-presentation.pptx
+++ b/machine-learning-presentation.pptx
@@ -5,20 +5,11 @@
     <p:sldMasterId id="2147483648" r:id="rId1"/>
   </p:sldMasterIdLst>
   <p:notesMasterIdLst>
-    <p:notesMasterId r:id="rId13"/>
+    <p:notesMasterId r:id="rId4"/>
   </p:notesMasterIdLst>
   <p:sldIdLst>
     <p:sldId id="256" r:id="rId2"/>
     <p:sldId id="263" r:id="rId3"/>
-    <p:sldId id="261" r:id="rId4"/>
-    <p:sldId id="259" r:id="rId5"/>
-    <p:sldId id="264" r:id="rId6"/>
-    <p:sldId id="265" r:id="rId7"/>
-    <p:sldId id="258" r:id="rId8"/>
-    <p:sldId id="266" r:id="rId9"/>
-    <p:sldId id="262" r:id="rId10"/>
-    <p:sldId id="257" r:id="rId11"/>
-    <p:sldId id="260" r:id="rId12"/>
   </p:sldIdLst>
   <p:sldSz cx="12192000" cy="6858000"/>
   <p:notesSz cx="6858000" cy="9144000"/>
@@ -207,7 +198,7 @@
           <a:p>
             <a:fld id="{48685D6A-095F-4046-9FD3-ED0C9C49984C}" type="datetimeFigureOut">
               <a:rPr lang="en-PH" smtClean="0"/>
-              <a:t>30/05/2022</a:t>
+              <a:t>03/06/2022</a:t>
             </a:fld>
             <a:endParaRPr lang="en-PH"/>
           </a:p>
@@ -520,16 +511,27 @@
           <a:lstStyle/>
           <a:p>
             <a:r>
-              <a:rPr lang="en-PH" dirty="0"/>
-              <a:t>https://unsplash.com/photos/P5nZwlbTngI</a:t>
+              <a:rPr lang="it-IT" b="0" i="0" u="none" strike="noStrike" dirty="0">
+                <a:effectLst/>
+                <a:latin typeface="Slack-Lato"/>
+                <a:hlinkClick r:id="rId3"/>
+              </a:rPr>
+              <a:t>https://upsystem-my.sharepoint.com/:p:/g/personal/macabanlit_outlook_up_edu_ph/ET0Eu47aIlZCqAUbnSU5Sp0B4_kQznmd2_izgCSTEzi3-w?e=PgQt8V</a:t>
             </a:r>
             <a:br>
-              <a:rPr lang="en-PH" dirty="0"/>
+              <a:rPr lang="it-IT" dirty="0"/>
             </a:br>
             <a:r>
-              <a:rPr lang="en-PH" dirty="0"/>
-              <a:t>icon-library.com/images/facial-recognition-icon/facial-recognition-icon-23.jpg</a:t>
-            </a:r>
+              <a:rPr lang="it-IT" b="0" i="0" dirty="0">
+                <a:solidFill>
+                  <a:srgbClr val="D1D2D3"/>
+                </a:solidFill>
+                <a:effectLst/>
+                <a:latin typeface="Slack-Lato"/>
+              </a:rPr>
+              <a:t>PW: lanex-ai</a:t>
+            </a:r>
+            <a:endParaRPr lang="en-PH" dirty="0"/>
           </a:p>
         </p:txBody>
       </p:sp>
@@ -550,7 +552,7 @@
           <a:p>
             <a:fld id="{9ED71E92-AC75-4A65-A518-09D49C49A95D}" type="slidenum">
               <a:rPr lang="en-PH" smtClean="0"/>
-              <a:t>2</a:t>
+              <a:t>1</a:t>
             </a:fld>
             <a:endParaRPr lang="en-PH"/>
           </a:p>
@@ -559,7 +561,7 @@
     </p:spTree>
     <p:extLst>
       <p:ext uri="{BB962C8B-B14F-4D97-AF65-F5344CB8AC3E}">
-        <p14:creationId xmlns:p14="http://schemas.microsoft.com/office/powerpoint/2010/main" val="770163834"/>
+        <p14:creationId xmlns:p14="http://schemas.microsoft.com/office/powerpoint/2010/main" val="2416906341"/>
       </p:ext>
     </p:extLst>
   </p:cSld>
@@ -615,7 +617,14 @@
           <a:p>
             <a:r>
               <a:rPr lang="en-PH" dirty="0"/>
-              <a:t>https://ml-ops.org/content/end-to-end-ml-workflow</a:t>
+              <a:t>https://unsplash.com/photos/P5nZwlbTngI</a:t>
+            </a:r>
+            <a:br>
+              <a:rPr lang="en-PH" dirty="0"/>
+            </a:br>
+            <a:r>
+              <a:rPr lang="en-PH" dirty="0"/>
+              <a:t>icon-library.com/images/facial-recognition-icon/facial-recognition-icon-23.jpg</a:t>
             </a:r>
           </a:p>
         </p:txBody>
@@ -637,7 +646,7 @@
           <a:p>
             <a:fld id="{9ED71E92-AC75-4A65-A518-09D49C49A95D}" type="slidenum">
               <a:rPr lang="en-PH" smtClean="0"/>
-              <a:t>3</a:t>
+              <a:t>2</a:t>
             </a:fld>
             <a:endParaRPr lang="en-PH"/>
           </a:p>
@@ -646,368 +655,7 @@
     </p:spTree>
     <p:extLst>
       <p:ext uri="{BB962C8B-B14F-4D97-AF65-F5344CB8AC3E}">
-        <p14:creationId xmlns:p14="http://schemas.microsoft.com/office/powerpoint/2010/main" val="3061294144"/>
-      </p:ext>
-    </p:extLst>
-  </p:cSld>
-  <p:clrMapOvr>
-    <a:masterClrMapping/>
-  </p:clrMapOvr>
-</p:notes>
-</file>
-
-<file path=ppt/notesSlides/notesSlide3.xml><?xml version="1.0" encoding="utf-8"?>
-<p:notes xmlns:a="http://schemas.openxmlformats.org/drawingml/2006/main" xmlns:r="http://schemas.openxmlformats.org/officeDocument/2006/relationships" xmlns:p="http://schemas.openxmlformats.org/presentationml/2006/main">
-  <p:cSld>
-    <p:spTree>
-      <p:nvGrpSpPr>
-        <p:cNvPr id="1" name=""/>
-        <p:cNvGrpSpPr/>
-        <p:nvPr/>
-      </p:nvGrpSpPr>
-      <p:grpSpPr>
-        <a:xfrm>
-          <a:off x="0" y="0"/>
-          <a:ext cx="0" cy="0"/>
-          <a:chOff x="0" y="0"/>
-          <a:chExt cx="0" cy="0"/>
-        </a:xfrm>
-      </p:grpSpPr>
-      <p:sp>
-        <p:nvSpPr>
-          <p:cNvPr id="2" name="Slide Image Placeholder 1"/>
-          <p:cNvSpPr>
-            <a:spLocks noGrp="1" noRot="1" noChangeAspect="1"/>
-          </p:cNvSpPr>
-          <p:nvPr>
-            <p:ph type="sldImg"/>
-          </p:nvPr>
-        </p:nvSpPr>
-        <p:spPr/>
-      </p:sp>
-      <p:sp>
-        <p:nvSpPr>
-          <p:cNvPr id="3" name="Notes Placeholder 2"/>
-          <p:cNvSpPr>
-            <a:spLocks noGrp="1"/>
-          </p:cNvSpPr>
-          <p:nvPr>
-            <p:ph type="body" idx="1"/>
-          </p:nvPr>
-        </p:nvSpPr>
-        <p:spPr/>
-        <p:txBody>
-          <a:bodyPr/>
-          <a:lstStyle/>
-          <a:p>
-            <a:r>
-              <a:rPr lang="en-PH" dirty="0"/>
-              <a:t>https://zerotomastery.io/courses/machine-learning-and-data-science-bootcamp/</a:t>
-            </a:r>
-          </a:p>
-        </p:txBody>
-      </p:sp>
-      <p:sp>
-        <p:nvSpPr>
-          <p:cNvPr id="4" name="Slide Number Placeholder 3"/>
-          <p:cNvSpPr>
-            <a:spLocks noGrp="1"/>
-          </p:cNvSpPr>
-          <p:nvPr>
-            <p:ph type="sldNum" sz="quarter" idx="5"/>
-          </p:nvPr>
-        </p:nvSpPr>
-        <p:spPr/>
-        <p:txBody>
-          <a:bodyPr/>
-          <a:lstStyle/>
-          <a:p>
-            <a:fld id="{9ED71E92-AC75-4A65-A518-09D49C49A95D}" type="slidenum">
-              <a:rPr lang="en-PH" smtClean="0"/>
-              <a:t>4</a:t>
-            </a:fld>
-            <a:endParaRPr lang="en-PH"/>
-          </a:p>
-        </p:txBody>
-      </p:sp>
-    </p:spTree>
-    <p:extLst>
-      <p:ext uri="{BB962C8B-B14F-4D97-AF65-F5344CB8AC3E}">
-        <p14:creationId xmlns:p14="http://schemas.microsoft.com/office/powerpoint/2010/main" val="1641431081"/>
-      </p:ext>
-    </p:extLst>
-  </p:cSld>
-  <p:clrMapOvr>
-    <a:masterClrMapping/>
-  </p:clrMapOvr>
-</p:notes>
-</file>
-
-<file path=ppt/notesSlides/notesSlide4.xml><?xml version="1.0" encoding="utf-8"?>
-<p:notes xmlns:a="http://schemas.openxmlformats.org/drawingml/2006/main" xmlns:r="http://schemas.openxmlformats.org/officeDocument/2006/relationships" xmlns:p="http://schemas.openxmlformats.org/presentationml/2006/main">
-  <p:cSld>
-    <p:spTree>
-      <p:nvGrpSpPr>
-        <p:cNvPr id="1" name=""/>
-        <p:cNvGrpSpPr/>
-        <p:nvPr/>
-      </p:nvGrpSpPr>
-      <p:grpSpPr>
-        <a:xfrm>
-          <a:off x="0" y="0"/>
-          <a:ext cx="0" cy="0"/>
-          <a:chOff x="0" y="0"/>
-          <a:chExt cx="0" cy="0"/>
-        </a:xfrm>
-      </p:grpSpPr>
-      <p:sp>
-        <p:nvSpPr>
-          <p:cNvPr id="2" name="Slide Image Placeholder 1"/>
-          <p:cNvSpPr>
-            <a:spLocks noGrp="1" noRot="1" noChangeAspect="1"/>
-          </p:cNvSpPr>
-          <p:nvPr>
-            <p:ph type="sldImg"/>
-          </p:nvPr>
-        </p:nvSpPr>
-        <p:spPr/>
-      </p:sp>
-      <p:sp>
-        <p:nvSpPr>
-          <p:cNvPr id="3" name="Notes Placeholder 2"/>
-          <p:cNvSpPr>
-            <a:spLocks noGrp="1"/>
-          </p:cNvSpPr>
-          <p:nvPr>
-            <p:ph type="body" idx="1"/>
-          </p:nvPr>
-        </p:nvSpPr>
-        <p:spPr/>
-        <p:txBody>
-          <a:bodyPr/>
-          <a:lstStyle/>
-          <a:p>
-            <a:r>
-              <a:rPr lang="en-PH" dirty="0"/>
-              <a:t>https://blogs.halodoc.io/build-end-to-end-machine-learning-workflows-with-kubernetes-and-apache-airflow/</a:t>
-            </a:r>
-          </a:p>
-        </p:txBody>
-      </p:sp>
-      <p:sp>
-        <p:nvSpPr>
-          <p:cNvPr id="4" name="Slide Number Placeholder 3"/>
-          <p:cNvSpPr>
-            <a:spLocks noGrp="1"/>
-          </p:cNvSpPr>
-          <p:nvPr>
-            <p:ph type="sldNum" sz="quarter" idx="5"/>
-          </p:nvPr>
-        </p:nvSpPr>
-        <p:spPr/>
-        <p:txBody>
-          <a:bodyPr/>
-          <a:lstStyle/>
-          <a:p>
-            <a:fld id="{9ED71E92-AC75-4A65-A518-09D49C49A95D}" type="slidenum">
-              <a:rPr lang="en-PH" smtClean="0"/>
-              <a:t>5</a:t>
-            </a:fld>
-            <a:endParaRPr lang="en-PH"/>
-          </a:p>
-        </p:txBody>
-      </p:sp>
-    </p:spTree>
-    <p:extLst>
-      <p:ext uri="{BB962C8B-B14F-4D97-AF65-F5344CB8AC3E}">
-        <p14:creationId xmlns:p14="http://schemas.microsoft.com/office/powerpoint/2010/main" val="3499429930"/>
-      </p:ext>
-    </p:extLst>
-  </p:cSld>
-  <p:clrMapOvr>
-    <a:masterClrMapping/>
-  </p:clrMapOvr>
-</p:notes>
-</file>
-
-<file path=ppt/notesSlides/notesSlide5.xml><?xml version="1.0" encoding="utf-8"?>
-<p:notes xmlns:a="http://schemas.openxmlformats.org/drawingml/2006/main" xmlns:r="http://schemas.openxmlformats.org/officeDocument/2006/relationships" xmlns:p="http://schemas.openxmlformats.org/presentationml/2006/main">
-  <p:cSld>
-    <p:spTree>
-      <p:nvGrpSpPr>
-        <p:cNvPr id="1" name=""/>
-        <p:cNvGrpSpPr/>
-        <p:nvPr/>
-      </p:nvGrpSpPr>
-      <p:grpSpPr>
-        <a:xfrm>
-          <a:off x="0" y="0"/>
-          <a:ext cx="0" cy="0"/>
-          <a:chOff x="0" y="0"/>
-          <a:chExt cx="0" cy="0"/>
-        </a:xfrm>
-      </p:grpSpPr>
-      <p:sp>
-        <p:nvSpPr>
-          <p:cNvPr id="2" name="Slide Image Placeholder 1"/>
-          <p:cNvSpPr>
-            <a:spLocks noGrp="1" noRot="1" noChangeAspect="1"/>
-          </p:cNvSpPr>
-          <p:nvPr>
-            <p:ph type="sldImg"/>
-          </p:nvPr>
-        </p:nvSpPr>
-        <p:spPr/>
-      </p:sp>
-      <p:sp>
-        <p:nvSpPr>
-          <p:cNvPr id="3" name="Notes Placeholder 2"/>
-          <p:cNvSpPr>
-            <a:spLocks noGrp="1"/>
-          </p:cNvSpPr>
-          <p:nvPr>
-            <p:ph type="body" idx="1"/>
-          </p:nvPr>
-        </p:nvSpPr>
-        <p:spPr/>
-        <p:txBody>
-          <a:bodyPr/>
-          <a:lstStyle/>
-          <a:p>
-            <a:r>
-              <a:rPr lang="en-PH" dirty="0"/>
-              <a:t>https://blogs.halodoc.io/build-end-to-end-machine-learning-workflows-with-kubernetes-and-apache-airflow/</a:t>
-            </a:r>
-          </a:p>
-        </p:txBody>
-      </p:sp>
-      <p:sp>
-        <p:nvSpPr>
-          <p:cNvPr id="4" name="Slide Number Placeholder 3"/>
-          <p:cNvSpPr>
-            <a:spLocks noGrp="1"/>
-          </p:cNvSpPr>
-          <p:nvPr>
-            <p:ph type="sldNum" sz="quarter" idx="5"/>
-          </p:nvPr>
-        </p:nvSpPr>
-        <p:spPr/>
-        <p:txBody>
-          <a:bodyPr/>
-          <a:lstStyle/>
-          <a:p>
-            <a:fld id="{9ED71E92-AC75-4A65-A518-09D49C49A95D}" type="slidenum">
-              <a:rPr lang="en-PH" smtClean="0"/>
-              <a:t>6</a:t>
-            </a:fld>
-            <a:endParaRPr lang="en-PH"/>
-          </a:p>
-        </p:txBody>
-      </p:sp>
-    </p:spTree>
-    <p:extLst>
-      <p:ext uri="{BB962C8B-B14F-4D97-AF65-F5344CB8AC3E}">
-        <p14:creationId xmlns:p14="http://schemas.microsoft.com/office/powerpoint/2010/main" val="285347630"/>
-      </p:ext>
-    </p:extLst>
-  </p:cSld>
-  <p:clrMapOvr>
-    <a:masterClrMapping/>
-  </p:clrMapOvr>
-</p:notes>
-</file>
-
-<file path=ppt/notesSlides/notesSlide6.xml><?xml version="1.0" encoding="utf-8"?>
-<p:notes xmlns:a="http://schemas.openxmlformats.org/drawingml/2006/main" xmlns:r="http://schemas.openxmlformats.org/officeDocument/2006/relationships" xmlns:p="http://schemas.openxmlformats.org/presentationml/2006/main">
-  <p:cSld>
-    <p:spTree>
-      <p:nvGrpSpPr>
-        <p:cNvPr id="1" name=""/>
-        <p:cNvGrpSpPr/>
-        <p:nvPr/>
-      </p:nvGrpSpPr>
-      <p:grpSpPr>
-        <a:xfrm>
-          <a:off x="0" y="0"/>
-          <a:ext cx="0" cy="0"/>
-          <a:chOff x="0" y="0"/>
-          <a:chExt cx="0" cy="0"/>
-        </a:xfrm>
-      </p:grpSpPr>
-      <p:sp>
-        <p:nvSpPr>
-          <p:cNvPr id="2" name="Slide Image Placeholder 1"/>
-          <p:cNvSpPr>
-            <a:spLocks noGrp="1" noRot="1" noChangeAspect="1"/>
-          </p:cNvSpPr>
-          <p:nvPr>
-            <p:ph type="sldImg"/>
-          </p:nvPr>
-        </p:nvSpPr>
-        <p:spPr/>
-      </p:sp>
-      <p:sp>
-        <p:nvSpPr>
-          <p:cNvPr id="3" name="Notes Placeholder 2"/>
-          <p:cNvSpPr>
-            <a:spLocks noGrp="1"/>
-          </p:cNvSpPr>
-          <p:nvPr>
-            <p:ph type="body" idx="1"/>
-          </p:nvPr>
-        </p:nvSpPr>
-        <p:spPr/>
-        <p:txBody>
-          <a:bodyPr/>
-          <a:lstStyle/>
-          <a:p>
-            <a:r>
-              <a:rPr lang="en-PH" dirty="0"/>
-              <a:t>https://unsplash.com/photos/Wpnoqo2plFA</a:t>
-            </a:r>
-            <a:br>
-              <a:rPr lang="en-PH" dirty="0"/>
-            </a:br>
-            <a:r>
-              <a:rPr lang="en-PH" dirty="0"/>
-              <a:t>https://unsplash.com/photos/LqKhnDzSF-8</a:t>
-            </a:r>
-          </a:p>
-          <a:p>
-            <a:r>
-              <a:rPr lang="en-PH" dirty="0"/>
-              <a:t>https://unsplash.com/photos/BfrQnKBulYQ</a:t>
-            </a:r>
-          </a:p>
-        </p:txBody>
-      </p:sp>
-      <p:sp>
-        <p:nvSpPr>
-          <p:cNvPr id="4" name="Slide Number Placeholder 3"/>
-          <p:cNvSpPr>
-            <a:spLocks noGrp="1"/>
-          </p:cNvSpPr>
-          <p:nvPr>
-            <p:ph type="sldNum" sz="quarter" idx="5"/>
-          </p:nvPr>
-        </p:nvSpPr>
-        <p:spPr/>
-        <p:txBody>
-          <a:bodyPr/>
-          <a:lstStyle/>
-          <a:p>
-            <a:fld id="{9ED71E92-AC75-4A65-A518-09D49C49A95D}" type="slidenum">
-              <a:rPr lang="en-PH" smtClean="0"/>
-              <a:t>8</a:t>
-            </a:fld>
-            <a:endParaRPr lang="en-PH"/>
-          </a:p>
-        </p:txBody>
-      </p:sp>
-    </p:spTree>
-    <p:extLst>
-      <p:ext uri="{BB962C8B-B14F-4D97-AF65-F5344CB8AC3E}">
-        <p14:creationId xmlns:p14="http://schemas.microsoft.com/office/powerpoint/2010/main" val="2685733292"/>
+        <p14:creationId xmlns:p14="http://schemas.microsoft.com/office/powerpoint/2010/main" val="770163834"/>
       </p:ext>
     </p:extLst>
   </p:cSld>
@@ -1166,7 +814,7 @@
           <a:p>
             <a:fld id="{8AED1F90-A2CE-49A8-85E1-0C19236E53E7}" type="datetimeFigureOut">
               <a:rPr lang="en-PH" smtClean="0"/>
-              <a:t>30/05/2022</a:t>
+              <a:t>03/06/2022</a:t>
             </a:fld>
             <a:endParaRPr lang="en-PH"/>
           </a:p>
@@ -1366,7 +1014,7 @@
           <a:p>
             <a:fld id="{8AED1F90-A2CE-49A8-85E1-0C19236E53E7}" type="datetimeFigureOut">
               <a:rPr lang="en-PH" smtClean="0"/>
-              <a:t>30/05/2022</a:t>
+              <a:t>03/06/2022</a:t>
             </a:fld>
             <a:endParaRPr lang="en-PH"/>
           </a:p>
@@ -1576,7 +1224,7 @@
           <a:p>
             <a:fld id="{8AED1F90-A2CE-49A8-85E1-0C19236E53E7}" type="datetimeFigureOut">
               <a:rPr lang="en-PH" smtClean="0"/>
-              <a:t>30/05/2022</a:t>
+              <a:t>03/06/2022</a:t>
             </a:fld>
             <a:endParaRPr lang="en-PH"/>
           </a:p>
@@ -1776,7 +1424,7 @@
           <a:p>
             <a:fld id="{8AED1F90-A2CE-49A8-85E1-0C19236E53E7}" type="datetimeFigureOut">
               <a:rPr lang="en-PH" smtClean="0"/>
-              <a:t>30/05/2022</a:t>
+              <a:t>03/06/2022</a:t>
             </a:fld>
             <a:endParaRPr lang="en-PH"/>
           </a:p>
@@ -2052,7 +1700,7 @@
           <a:p>
             <a:fld id="{8AED1F90-A2CE-49A8-85E1-0C19236E53E7}" type="datetimeFigureOut">
               <a:rPr lang="en-PH" smtClean="0"/>
-              <a:t>30/05/2022</a:t>
+              <a:t>03/06/2022</a:t>
             </a:fld>
             <a:endParaRPr lang="en-PH"/>
           </a:p>
@@ -2320,7 +1968,7 @@
           <a:p>
             <a:fld id="{8AED1F90-A2CE-49A8-85E1-0C19236E53E7}" type="datetimeFigureOut">
               <a:rPr lang="en-PH" smtClean="0"/>
-              <a:t>30/05/2022</a:t>
+              <a:t>03/06/2022</a:t>
             </a:fld>
             <a:endParaRPr lang="en-PH"/>
           </a:p>
@@ -2735,7 +2383,7 @@
           <a:p>
             <a:fld id="{8AED1F90-A2CE-49A8-85E1-0C19236E53E7}" type="datetimeFigureOut">
               <a:rPr lang="en-PH" smtClean="0"/>
-              <a:t>30/05/2022</a:t>
+              <a:t>03/06/2022</a:t>
             </a:fld>
             <a:endParaRPr lang="en-PH"/>
           </a:p>
@@ -2877,7 +2525,7 @@
           <a:p>
             <a:fld id="{8AED1F90-A2CE-49A8-85E1-0C19236E53E7}" type="datetimeFigureOut">
               <a:rPr lang="en-PH" smtClean="0"/>
-              <a:t>30/05/2022</a:t>
+              <a:t>03/06/2022</a:t>
             </a:fld>
             <a:endParaRPr lang="en-PH"/>
           </a:p>
@@ -2990,7 +2638,7 @@
           <a:p>
             <a:fld id="{8AED1F90-A2CE-49A8-85E1-0C19236E53E7}" type="datetimeFigureOut">
               <a:rPr lang="en-PH" smtClean="0"/>
-              <a:t>30/05/2022</a:t>
+              <a:t>03/06/2022</a:t>
             </a:fld>
             <a:endParaRPr lang="en-PH"/>
           </a:p>
@@ -3303,7 +2951,7 @@
           <a:p>
             <a:fld id="{8AED1F90-A2CE-49A8-85E1-0C19236E53E7}" type="datetimeFigureOut">
               <a:rPr lang="en-PH" smtClean="0"/>
-              <a:t>30/05/2022</a:t>
+              <a:t>03/06/2022</a:t>
             </a:fld>
             <a:endParaRPr lang="en-PH"/>
           </a:p>
@@ -3592,7 +3240,7 @@
           <a:p>
             <a:fld id="{8AED1F90-A2CE-49A8-85E1-0C19236E53E7}" type="datetimeFigureOut">
               <a:rPr lang="en-PH" smtClean="0"/>
-              <a:t>30/05/2022</a:t>
+              <a:t>03/06/2022</a:t>
             </a:fld>
             <a:endParaRPr lang="en-PH"/>
           </a:p>
@@ -3844,7 +3492,7 @@
           <a:p>
             <a:fld id="{8AED1F90-A2CE-49A8-85E1-0C19236E53E7}" type="datetimeFigureOut">
               <a:rPr lang="en-PH" smtClean="0"/>
-              <a:t>30/05/2022</a:t>
+              <a:t>03/06/2022</a:t>
             </a:fld>
             <a:endParaRPr lang="en-PH"/>
           </a:p>
@@ -4250,7 +3898,7 @@
     <p:bg>
       <p:bgPr>
         <a:blipFill dpi="0" rotWithShape="1">
-          <a:blip r:embed="rId2">
+          <a:blip r:embed="rId3">
             <a:lum/>
           </a:blip>
           <a:srcRect/>
@@ -4306,11 +3954,13 @@
             <a:r>
               <a:rPr lang="en-US" dirty="0">
                 <a:latin typeface="Lato Black" panose="020F0A02020204030203" pitchFamily="34" charset="0"/>
+                <a:hlinkClick r:id="rId4"/>
               </a:rPr>
               <a:t>MACHINE LEARNING</a:t>
             </a:r>
             <a:endParaRPr lang="en-PH" dirty="0">
               <a:latin typeface="Lato Black" panose="020F0A02020204030203" pitchFamily="34" charset="0"/>
+              <a:hlinkClick r:id="rId4"/>
             </a:endParaRPr>
           </a:p>
         </p:txBody>
@@ -4349,6 +3999,7 @@
                   <a:schemeClr val="tx2"/>
                 </a:solidFill>
                 <a:latin typeface="Raleway" pitchFamily="2" charset="0"/>
+                <a:hlinkClick r:id="rId4"/>
               </a:rPr>
               <a:t>End-to-end Workflow</a:t>
             </a:r>
@@ -4357,6 +4008,7 @@
                 <a:schemeClr val="tx2"/>
               </a:solidFill>
               <a:latin typeface="Raleway" pitchFamily="2" charset="0"/>
+              <a:hlinkClick r:id="rId4"/>
             </a:endParaRPr>
           </a:p>
         </p:txBody>
@@ -4397,277 +4049,6 @@
     <p:extLst>
       <p:ext uri="{BB962C8B-B14F-4D97-AF65-F5344CB8AC3E}">
         <p14:creationId xmlns:p14="http://schemas.microsoft.com/office/powerpoint/2010/main" val="413066192"/>
-      </p:ext>
-    </p:extLst>
-  </p:cSld>
-  <p:clrMapOvr>
-    <a:masterClrMapping/>
-  </p:clrMapOvr>
-</p:sld>
-</file>
-
-<file path=ppt/slides/slide10.xml><?xml version="1.0" encoding="utf-8"?>
-<p:sld xmlns:a="http://schemas.openxmlformats.org/drawingml/2006/main" xmlns:r="http://schemas.openxmlformats.org/officeDocument/2006/relationships" xmlns:p="http://schemas.openxmlformats.org/presentationml/2006/main">
-  <p:cSld>
-    <p:bg>
-      <p:bgPr>
-        <a:blipFill dpi="0" rotWithShape="1">
-          <a:blip r:embed="rId2">
-            <a:lum/>
-          </a:blip>
-          <a:srcRect/>
-          <a:stretch>
-            <a:fillRect/>
-          </a:stretch>
-        </a:blipFill>
-        <a:effectLst/>
-      </p:bgPr>
-    </p:bg>
-    <p:spTree>
-      <p:nvGrpSpPr>
-        <p:cNvPr id="1" name=""/>
-        <p:cNvGrpSpPr/>
-        <p:nvPr/>
-      </p:nvGrpSpPr>
-      <p:grpSpPr>
-        <a:xfrm>
-          <a:off x="0" y="0"/>
-          <a:ext cx="0" cy="0"/>
-          <a:chOff x="0" y="0"/>
-          <a:chExt cx="0" cy="0"/>
-        </a:xfrm>
-      </p:grpSpPr>
-      <p:sp>
-        <p:nvSpPr>
-          <p:cNvPr id="4" name="Title 3">
-            <a:extLst>
-              <a:ext uri="{FF2B5EF4-FFF2-40B4-BE49-F238E27FC236}">
-                <a16:creationId xmlns:a16="http://schemas.microsoft.com/office/drawing/2014/main" id="{F55ABBE3-C20E-A7BA-6917-9BCFD6C69734}"/>
-              </a:ext>
-            </a:extLst>
-          </p:cNvPr>
-          <p:cNvSpPr>
-            <a:spLocks noGrp="1"/>
-          </p:cNvSpPr>
-          <p:nvPr>
-            <p:ph type="title"/>
-          </p:nvPr>
-        </p:nvSpPr>
-        <p:spPr>
-          <a:xfrm>
-            <a:off x="839788" y="457200"/>
-            <a:ext cx="8433521" cy="919018"/>
-          </a:xfrm>
-        </p:spPr>
-        <p:txBody>
-          <a:bodyPr>
-            <a:normAutofit/>
-          </a:bodyPr>
-          <a:lstStyle/>
-          <a:p>
-            <a:r>
-              <a:rPr lang="en-US" sz="4000" dirty="0"/>
-              <a:t>Topics</a:t>
-            </a:r>
-            <a:endParaRPr lang="en-PH" sz="4000" dirty="0"/>
-          </a:p>
-        </p:txBody>
-      </p:sp>
-      <p:sp>
-        <p:nvSpPr>
-          <p:cNvPr id="5" name="Content Placeholder 4">
-            <a:extLst>
-              <a:ext uri="{FF2B5EF4-FFF2-40B4-BE49-F238E27FC236}">
-                <a16:creationId xmlns:a16="http://schemas.microsoft.com/office/drawing/2014/main" id="{1400C07F-3364-64F1-A838-08E6FC71C758}"/>
-              </a:ext>
-            </a:extLst>
-          </p:cNvPr>
-          <p:cNvSpPr>
-            <a:spLocks noGrp="1"/>
-          </p:cNvSpPr>
-          <p:nvPr>
-            <p:ph idx="1"/>
-          </p:nvPr>
-        </p:nvSpPr>
-        <p:spPr>
-          <a:xfrm>
-            <a:off x="839788" y="2096656"/>
-            <a:ext cx="9347921" cy="3435926"/>
-          </a:xfrm>
-        </p:spPr>
-        <p:txBody>
-          <a:bodyPr>
-            <a:normAutofit/>
-          </a:bodyPr>
-          <a:lstStyle/>
-          <a:p>
-            <a:pPr marL="342900" indent="-342900">
-              <a:buFont typeface="+mj-lt"/>
-              <a:buAutoNum type="arabicPeriod"/>
-            </a:pPr>
-            <a:r>
-              <a:rPr lang="en-US" sz="1800" dirty="0"/>
-              <a:t>Data Pre-processing</a:t>
-            </a:r>
-            <a:endParaRPr lang="en-PH" sz="1800" dirty="0"/>
-          </a:p>
-        </p:txBody>
-      </p:sp>
-      <p:sp>
-        <p:nvSpPr>
-          <p:cNvPr id="6" name="Text Placeholder 5">
-            <a:extLst>
-              <a:ext uri="{FF2B5EF4-FFF2-40B4-BE49-F238E27FC236}">
-                <a16:creationId xmlns:a16="http://schemas.microsoft.com/office/drawing/2014/main" id="{37F06282-E14D-54F9-A811-58AD2583C5A7}"/>
-              </a:ext>
-            </a:extLst>
-          </p:cNvPr>
-          <p:cNvSpPr>
-            <a:spLocks noGrp="1"/>
-          </p:cNvSpPr>
-          <p:nvPr>
-            <p:ph type="body" sz="half" idx="2"/>
-          </p:nvPr>
-        </p:nvSpPr>
-        <p:spPr>
-          <a:xfrm>
-            <a:off x="839788" y="1708727"/>
-            <a:ext cx="9347921" cy="378690"/>
-          </a:xfrm>
-        </p:spPr>
-        <p:txBody>
-          <a:bodyPr>
-            <a:normAutofit/>
-          </a:bodyPr>
-          <a:lstStyle/>
-          <a:p>
-            <a:r>
-              <a:rPr lang="en-US" sz="2000" b="1" dirty="0">
-                <a:solidFill>
-                  <a:schemeClr val="tx2"/>
-                </a:solidFill>
-                <a:latin typeface="Raleway" pitchFamily="2" charset="0"/>
-              </a:rPr>
-              <a:t>What does it take to start and deploy an ML model?</a:t>
-            </a:r>
-            <a:endParaRPr lang="en-PH" sz="2000" b="1" dirty="0">
-              <a:solidFill>
-                <a:schemeClr val="tx2"/>
-              </a:solidFill>
-              <a:latin typeface="Raleway" pitchFamily="2" charset="0"/>
-            </a:endParaRPr>
-          </a:p>
-        </p:txBody>
-      </p:sp>
-    </p:spTree>
-    <p:extLst>
-      <p:ext uri="{BB962C8B-B14F-4D97-AF65-F5344CB8AC3E}">
-        <p14:creationId xmlns:p14="http://schemas.microsoft.com/office/powerpoint/2010/main" val="441897960"/>
-      </p:ext>
-    </p:extLst>
-  </p:cSld>
-  <p:clrMapOvr>
-    <a:masterClrMapping/>
-  </p:clrMapOvr>
-</p:sld>
-</file>
-
-<file path=ppt/slides/slide11.xml><?xml version="1.0" encoding="utf-8"?>
-<p:sld xmlns:a="http://schemas.openxmlformats.org/drawingml/2006/main" xmlns:r="http://schemas.openxmlformats.org/officeDocument/2006/relationships" xmlns:p="http://schemas.openxmlformats.org/presentationml/2006/main">
-  <p:cSld>
-    <p:spTree>
-      <p:nvGrpSpPr>
-        <p:cNvPr id="1" name=""/>
-        <p:cNvGrpSpPr/>
-        <p:nvPr/>
-      </p:nvGrpSpPr>
-      <p:grpSpPr>
-        <a:xfrm>
-          <a:off x="0" y="0"/>
-          <a:ext cx="0" cy="0"/>
-          <a:chOff x="0" y="0"/>
-          <a:chExt cx="0" cy="0"/>
-        </a:xfrm>
-      </p:grpSpPr>
-      <p:sp>
-        <p:nvSpPr>
-          <p:cNvPr id="2" name="Title 1">
-            <a:extLst>
-              <a:ext uri="{FF2B5EF4-FFF2-40B4-BE49-F238E27FC236}">
-                <a16:creationId xmlns:a16="http://schemas.microsoft.com/office/drawing/2014/main" id="{25A8502B-5025-A6B7-EF26-7F7E9958179A}"/>
-              </a:ext>
-            </a:extLst>
-          </p:cNvPr>
-          <p:cNvSpPr>
-            <a:spLocks noGrp="1"/>
-          </p:cNvSpPr>
-          <p:nvPr>
-            <p:ph type="title"/>
-          </p:nvPr>
-        </p:nvSpPr>
-        <p:spPr/>
-        <p:txBody>
-          <a:bodyPr/>
-          <a:lstStyle/>
-          <a:p>
-            <a:endParaRPr lang="en-PH"/>
-          </a:p>
-        </p:txBody>
-      </p:sp>
-      <p:sp>
-        <p:nvSpPr>
-          <p:cNvPr id="3" name="Content Placeholder 2">
-            <a:extLst>
-              <a:ext uri="{FF2B5EF4-FFF2-40B4-BE49-F238E27FC236}">
-                <a16:creationId xmlns:a16="http://schemas.microsoft.com/office/drawing/2014/main" id="{15557710-4E9C-EBED-0CB3-CD0CD2D0A0A4}"/>
-              </a:ext>
-            </a:extLst>
-          </p:cNvPr>
-          <p:cNvSpPr>
-            <a:spLocks noGrp="1"/>
-          </p:cNvSpPr>
-          <p:nvPr>
-            <p:ph idx="1"/>
-          </p:nvPr>
-        </p:nvSpPr>
-        <p:spPr/>
-        <p:txBody>
-          <a:bodyPr/>
-          <a:lstStyle/>
-          <a:p>
-            <a:endParaRPr lang="en-PH"/>
-          </a:p>
-        </p:txBody>
-      </p:sp>
-      <p:sp>
-        <p:nvSpPr>
-          <p:cNvPr id="4" name="Text Placeholder 3">
-            <a:extLst>
-              <a:ext uri="{FF2B5EF4-FFF2-40B4-BE49-F238E27FC236}">
-                <a16:creationId xmlns:a16="http://schemas.microsoft.com/office/drawing/2014/main" id="{FA6872BD-D215-3D42-3771-C8700FE5DF06}"/>
-              </a:ext>
-            </a:extLst>
-          </p:cNvPr>
-          <p:cNvSpPr>
-            <a:spLocks noGrp="1"/>
-          </p:cNvSpPr>
-          <p:nvPr>
-            <p:ph type="body" sz="half" idx="2"/>
-          </p:nvPr>
-        </p:nvSpPr>
-        <p:spPr/>
-        <p:txBody>
-          <a:bodyPr/>
-          <a:lstStyle/>
-          <a:p>
-            <a:endParaRPr lang="en-PH"/>
-          </a:p>
-        </p:txBody>
-      </p:sp>
-    </p:spTree>
-    <p:extLst>
-      <p:ext uri="{BB962C8B-B14F-4D97-AF65-F5344CB8AC3E}">
-        <p14:creationId xmlns:p14="http://schemas.microsoft.com/office/powerpoint/2010/main" val="3537763667"/>
       </p:ext>
     </p:extLst>
   </p:cSld>
@@ -5108,3912 +4489,6 @@
       <p:bldP spid="11" grpId="0" build="p"/>
     </p:bldLst>
   </p:timing>
-</p:sld>
-</file>
-
-<file path=ppt/slides/slide3.xml><?xml version="1.0" encoding="utf-8"?>
-<p:sld xmlns:a="http://schemas.openxmlformats.org/drawingml/2006/main" xmlns:r="http://schemas.openxmlformats.org/officeDocument/2006/relationships" xmlns:p="http://schemas.openxmlformats.org/presentationml/2006/main">
-  <p:cSld>
-    <p:spTree>
-      <p:nvGrpSpPr>
-        <p:cNvPr id="1" name=""/>
-        <p:cNvGrpSpPr/>
-        <p:nvPr/>
-      </p:nvGrpSpPr>
-      <p:grpSpPr>
-        <a:xfrm>
-          <a:off x="0" y="0"/>
-          <a:ext cx="0" cy="0"/>
-          <a:chOff x="0" y="0"/>
-          <a:chExt cx="0" cy="0"/>
-        </a:xfrm>
-      </p:grpSpPr>
-      <p:pic>
-        <p:nvPicPr>
-          <p:cNvPr id="1026" name="Picture 2" descr="Machine Learning Engineering">
-            <a:extLst>
-              <a:ext uri="{FF2B5EF4-FFF2-40B4-BE49-F238E27FC236}">
-                <a16:creationId xmlns:a16="http://schemas.microsoft.com/office/drawing/2014/main" id="{629B092A-3DE6-D7AE-BCB3-CB1D94DAA791}"/>
-              </a:ext>
-            </a:extLst>
-          </p:cNvPr>
-          <p:cNvPicPr>
-            <a:picLocks noChangeAspect="1" noChangeArrowheads="1"/>
-          </p:cNvPicPr>
-          <p:nvPr/>
-        </p:nvPicPr>
-        <p:blipFill rotWithShape="1">
-          <a:blip r:embed="rId3">
-            <a:extLst>
-              <a:ext uri="{28A0092B-C50C-407E-A947-70E740481C1C}">
-                <a14:useLocalDpi xmlns:a14="http://schemas.microsoft.com/office/drawing/2010/main" val="0"/>
-              </a:ext>
-            </a:extLst>
-          </a:blip>
-          <a:srcRect b="6111"/>
-          <a:stretch/>
-        </p:blipFill>
-        <p:spPr bwMode="auto">
-          <a:xfrm>
-            <a:off x="1092200" y="419100"/>
-            <a:ext cx="9148763" cy="6438900"/>
-          </a:xfrm>
-          <a:prstGeom prst="rect">
-            <a:avLst/>
-          </a:prstGeom>
-          <a:noFill/>
-          <a:extLst>
-            <a:ext uri="{909E8E84-426E-40DD-AFC4-6F175D3DCCD1}">
-              <a14:hiddenFill xmlns:a14="http://schemas.microsoft.com/office/drawing/2010/main">
-                <a:solidFill>
-                  <a:srgbClr val="FFFFFF"/>
-                </a:solidFill>
-              </a14:hiddenFill>
-            </a:ext>
-          </a:extLst>
-        </p:spPr>
-      </p:pic>
-      <p:sp>
-        <p:nvSpPr>
-          <p:cNvPr id="5" name="TextBox 4">
-            <a:extLst>
-              <a:ext uri="{FF2B5EF4-FFF2-40B4-BE49-F238E27FC236}">
-                <a16:creationId xmlns:a16="http://schemas.microsoft.com/office/drawing/2014/main" id="{39266BEB-008F-2DE4-293E-71EFF38180BE}"/>
-              </a:ext>
-            </a:extLst>
-          </p:cNvPr>
-          <p:cNvSpPr txBox="1"/>
-          <p:nvPr/>
-        </p:nvSpPr>
-        <p:spPr>
-          <a:xfrm>
-            <a:off x="3048000" y="3244334"/>
-            <a:ext cx="6096000" cy="369332"/>
-          </a:xfrm>
-          <a:prstGeom prst="rect">
-            <a:avLst/>
-          </a:prstGeom>
-          <a:noFill/>
-        </p:spPr>
-        <p:txBody>
-          <a:bodyPr wrap="square">
-            <a:spAutoFit/>
-          </a:bodyPr>
-          <a:lstStyle/>
-          <a:p>
-            <a:r>
-              <a:rPr lang="en-PH" dirty="0"/>
-              <a:t>https://ml-ops.org/content/end-to-end-ml-workflow</a:t>
-            </a:r>
-          </a:p>
-        </p:txBody>
-      </p:sp>
-    </p:spTree>
-    <p:extLst>
-      <p:ext uri="{BB962C8B-B14F-4D97-AF65-F5344CB8AC3E}">
-        <p14:creationId xmlns:p14="http://schemas.microsoft.com/office/powerpoint/2010/main" val="3280370037"/>
-      </p:ext>
-    </p:extLst>
-  </p:cSld>
-  <p:clrMapOvr>
-    <a:masterClrMapping/>
-  </p:clrMapOvr>
-  <mc:AlternateContent xmlns:mc="http://schemas.openxmlformats.org/markup-compatibility/2006">
-    <mc:Choice xmlns:p14="http://schemas.microsoft.com/office/powerpoint/2010/main" Requires="p14">
-      <p:transition spd="med" p14:dur="700">
-        <p:fade/>
-      </p:transition>
-    </mc:Choice>
-    <mc:Fallback>
-      <p:transition spd="med">
-        <p:fade/>
-      </p:transition>
-    </mc:Fallback>
-  </mc:AlternateContent>
-</p:sld>
-</file>
-
-<file path=ppt/slides/slide4.xml><?xml version="1.0" encoding="utf-8"?>
-<p:sld xmlns:a="http://schemas.openxmlformats.org/drawingml/2006/main" xmlns:r="http://schemas.openxmlformats.org/officeDocument/2006/relationships" xmlns:p="http://schemas.openxmlformats.org/presentationml/2006/main">
-  <p:cSld>
-    <p:spTree>
-      <p:nvGrpSpPr>
-        <p:cNvPr id="1" name=""/>
-        <p:cNvGrpSpPr/>
-        <p:nvPr/>
-      </p:nvGrpSpPr>
-      <p:grpSpPr>
-        <a:xfrm>
-          <a:off x="0" y="0"/>
-          <a:ext cx="0" cy="0"/>
-          <a:chOff x="0" y="0"/>
-          <a:chExt cx="0" cy="0"/>
-        </a:xfrm>
-      </p:grpSpPr>
-      <p:pic>
-        <p:nvPicPr>
-          <p:cNvPr id="6" name="Picture 5" descr="Graphical user interface&#10;&#10;Description automatically generated">
-            <a:extLst>
-              <a:ext uri="{FF2B5EF4-FFF2-40B4-BE49-F238E27FC236}">
-                <a16:creationId xmlns:a16="http://schemas.microsoft.com/office/drawing/2014/main" id="{4C5258CD-55B1-00C7-96AE-0D3D6CD497B7}"/>
-              </a:ext>
-            </a:extLst>
-          </p:cNvPr>
-          <p:cNvPicPr>
-            <a:picLocks noChangeAspect="1"/>
-          </p:cNvPicPr>
-          <p:nvPr/>
-        </p:nvPicPr>
-        <p:blipFill>
-          <a:blip r:embed="rId3">
-            <a:extLst>
-              <a:ext uri="{28A0092B-C50C-407E-A947-70E740481C1C}">
-                <a14:useLocalDpi xmlns:a14="http://schemas.microsoft.com/office/drawing/2010/main" val="0"/>
-              </a:ext>
-            </a:extLst>
-          </a:blip>
-          <a:stretch>
-            <a:fillRect/>
-          </a:stretch>
-        </p:blipFill>
-        <p:spPr>
-          <a:xfrm>
-            <a:off x="0" y="1475983"/>
-            <a:ext cx="12192000" cy="4782334"/>
-          </a:xfrm>
-          <a:prstGeom prst="rect">
-            <a:avLst/>
-          </a:prstGeom>
-        </p:spPr>
-      </p:pic>
-      <p:sp>
-        <p:nvSpPr>
-          <p:cNvPr id="7" name="Circle: Hollow 6">
-            <a:extLst>
-              <a:ext uri="{FF2B5EF4-FFF2-40B4-BE49-F238E27FC236}">
-                <a16:creationId xmlns:a16="http://schemas.microsoft.com/office/drawing/2014/main" id="{D2182B65-CD39-C8E8-F1BD-8D1E1FBA1F1B}"/>
-              </a:ext>
-            </a:extLst>
-          </p:cNvPr>
-          <p:cNvSpPr/>
-          <p:nvPr/>
-        </p:nvSpPr>
-        <p:spPr>
-          <a:xfrm>
-            <a:off x="11246069" y="5826673"/>
-            <a:ext cx="1545020" cy="1545020"/>
-          </a:xfrm>
-          <a:prstGeom prst="donut">
-            <a:avLst/>
-          </a:prstGeom>
-          <a:solidFill>
-            <a:srgbClr val="1B48AB"/>
-          </a:solidFill>
-          <a:ln>
-            <a:noFill/>
-          </a:ln>
-        </p:spPr>
-        <p:style>
-          <a:lnRef idx="2">
-            <a:schemeClr val="accent1">
-              <a:shade val="50000"/>
-            </a:schemeClr>
-          </a:lnRef>
-          <a:fillRef idx="1">
-            <a:schemeClr val="accent1"/>
-          </a:fillRef>
-          <a:effectRef idx="0">
-            <a:schemeClr val="accent1"/>
-          </a:effectRef>
-          <a:fontRef idx="minor">
-            <a:schemeClr val="lt1"/>
-          </a:fontRef>
-        </p:style>
-        <p:txBody>
-          <a:bodyPr rtlCol="0" anchor="ctr"/>
-          <a:lstStyle/>
-          <a:p>
-            <a:pPr algn="ctr"/>
-            <a:endParaRPr lang="en-PH">
-              <a:solidFill>
-                <a:schemeClr val="tx1"/>
-              </a:solidFill>
-            </a:endParaRPr>
-          </a:p>
-        </p:txBody>
-      </p:sp>
-      <p:sp>
-        <p:nvSpPr>
-          <p:cNvPr id="8" name="Circle: Hollow 7">
-            <a:extLst>
-              <a:ext uri="{FF2B5EF4-FFF2-40B4-BE49-F238E27FC236}">
-                <a16:creationId xmlns:a16="http://schemas.microsoft.com/office/drawing/2014/main" id="{FB392FBE-3E22-0D72-7101-D814B17BA736}"/>
-              </a:ext>
-            </a:extLst>
-          </p:cNvPr>
-          <p:cNvSpPr/>
-          <p:nvPr/>
-        </p:nvSpPr>
-        <p:spPr>
-          <a:xfrm>
-            <a:off x="2349061" y="6319344"/>
-            <a:ext cx="1077311" cy="1077311"/>
-          </a:xfrm>
-          <a:prstGeom prst="donut">
-            <a:avLst/>
-          </a:prstGeom>
-          <a:solidFill>
-            <a:srgbClr val="0F1E54"/>
-          </a:solidFill>
-          <a:ln>
-            <a:noFill/>
-          </a:ln>
-        </p:spPr>
-        <p:style>
-          <a:lnRef idx="2">
-            <a:schemeClr val="accent1">
-              <a:shade val="50000"/>
-            </a:schemeClr>
-          </a:lnRef>
-          <a:fillRef idx="1">
-            <a:schemeClr val="accent1"/>
-          </a:fillRef>
-          <a:effectRef idx="0">
-            <a:schemeClr val="accent1"/>
-          </a:effectRef>
-          <a:fontRef idx="minor">
-            <a:schemeClr val="lt1"/>
-          </a:fontRef>
-        </p:style>
-        <p:txBody>
-          <a:bodyPr rtlCol="0" anchor="ctr"/>
-          <a:lstStyle/>
-          <a:p>
-            <a:pPr algn="ctr"/>
-            <a:endParaRPr lang="en-PH">
-              <a:solidFill>
-                <a:schemeClr val="tx1"/>
-              </a:solidFill>
-            </a:endParaRPr>
-          </a:p>
-        </p:txBody>
-      </p:sp>
-      <p:sp>
-        <p:nvSpPr>
-          <p:cNvPr id="9" name="Circle: Hollow 8">
-            <a:extLst>
-              <a:ext uri="{FF2B5EF4-FFF2-40B4-BE49-F238E27FC236}">
-                <a16:creationId xmlns:a16="http://schemas.microsoft.com/office/drawing/2014/main" id="{ABE24D71-DD4E-2021-FDA9-94F0A5EE1070}"/>
-              </a:ext>
-            </a:extLst>
-          </p:cNvPr>
-          <p:cNvSpPr/>
-          <p:nvPr/>
-        </p:nvSpPr>
-        <p:spPr>
-          <a:xfrm>
-            <a:off x="388882" y="-675291"/>
-            <a:ext cx="1545021" cy="1545021"/>
-          </a:xfrm>
-          <a:prstGeom prst="donut">
-            <a:avLst/>
-          </a:prstGeom>
-          <a:solidFill>
-            <a:schemeClr val="tx2"/>
-          </a:solidFill>
-          <a:ln>
-            <a:noFill/>
-          </a:ln>
-        </p:spPr>
-        <p:style>
-          <a:lnRef idx="2">
-            <a:schemeClr val="accent1">
-              <a:shade val="50000"/>
-            </a:schemeClr>
-          </a:lnRef>
-          <a:fillRef idx="1">
-            <a:schemeClr val="accent1"/>
-          </a:fillRef>
-          <a:effectRef idx="0">
-            <a:schemeClr val="accent1"/>
-          </a:effectRef>
-          <a:fontRef idx="minor">
-            <a:schemeClr val="lt1"/>
-          </a:fontRef>
-        </p:style>
-        <p:txBody>
-          <a:bodyPr rtlCol="0" anchor="ctr"/>
-          <a:lstStyle/>
-          <a:p>
-            <a:pPr algn="ctr"/>
-            <a:endParaRPr lang="en-PH">
-              <a:solidFill>
-                <a:schemeClr val="tx1"/>
-              </a:solidFill>
-            </a:endParaRPr>
-          </a:p>
-        </p:txBody>
-      </p:sp>
-    </p:spTree>
-    <p:extLst>
-      <p:ext uri="{BB962C8B-B14F-4D97-AF65-F5344CB8AC3E}">
-        <p14:creationId xmlns:p14="http://schemas.microsoft.com/office/powerpoint/2010/main" val="4029420708"/>
-      </p:ext>
-    </p:extLst>
-  </p:cSld>
-  <p:clrMapOvr>
-    <a:masterClrMapping/>
-  </p:clrMapOvr>
-  <mc:AlternateContent xmlns:mc="http://schemas.openxmlformats.org/markup-compatibility/2006">
-    <mc:Choice xmlns:p14="http://schemas.microsoft.com/office/powerpoint/2010/main" Requires="p14">
-      <p:transition spd="med" p14:dur="700">
-        <p:fade/>
-      </p:transition>
-    </mc:Choice>
-    <mc:Fallback>
-      <p:transition spd="med">
-        <p:fade/>
-      </p:transition>
-    </mc:Fallback>
-  </mc:AlternateContent>
-</p:sld>
-</file>
-
-<file path=ppt/slides/slide5.xml><?xml version="1.0" encoding="utf-8"?>
-<p:sld xmlns:a="http://schemas.openxmlformats.org/drawingml/2006/main" xmlns:r="http://schemas.openxmlformats.org/officeDocument/2006/relationships" xmlns:p="http://schemas.openxmlformats.org/presentationml/2006/main">
-  <p:cSld>
-    <p:spTree>
-      <p:nvGrpSpPr>
-        <p:cNvPr id="1" name=""/>
-        <p:cNvGrpSpPr/>
-        <p:nvPr/>
-      </p:nvGrpSpPr>
-      <p:grpSpPr>
-        <a:xfrm>
-          <a:off x="0" y="0"/>
-          <a:ext cx="0" cy="0"/>
-          <a:chOff x="0" y="0"/>
-          <a:chExt cx="0" cy="0"/>
-        </a:xfrm>
-      </p:grpSpPr>
-      <p:pic>
-        <p:nvPicPr>
-          <p:cNvPr id="2050" name="Picture 2" descr="Build end-to-end machine learning workflows with Kubernetes and Apache  Airflow">
-            <a:extLst>
-              <a:ext uri="{FF2B5EF4-FFF2-40B4-BE49-F238E27FC236}">
-                <a16:creationId xmlns:a16="http://schemas.microsoft.com/office/drawing/2014/main" id="{16BA7FE3-BDA0-CA2C-88AD-6A1AB40E8238}"/>
-              </a:ext>
-            </a:extLst>
-          </p:cNvPr>
-          <p:cNvPicPr>
-            <a:picLocks noChangeAspect="1" noChangeArrowheads="1"/>
-          </p:cNvPicPr>
-          <p:nvPr/>
-        </p:nvPicPr>
-        <p:blipFill>
-          <a:blip r:embed="rId3">
-            <a:extLst>
-              <a:ext uri="{28A0092B-C50C-407E-A947-70E740481C1C}">
-                <a14:useLocalDpi xmlns:a14="http://schemas.microsoft.com/office/drawing/2010/main" val="0"/>
-              </a:ext>
-            </a:extLst>
-          </a:blip>
-          <a:srcRect/>
-          <a:stretch>
-            <a:fillRect/>
-          </a:stretch>
-        </p:blipFill>
-        <p:spPr bwMode="auto">
-          <a:xfrm>
-            <a:off x="2144713" y="0"/>
-            <a:ext cx="7902575" cy="6858000"/>
-          </a:xfrm>
-          <a:prstGeom prst="rect">
-            <a:avLst/>
-          </a:prstGeom>
-          <a:noFill/>
-          <a:extLst>
-            <a:ext uri="{909E8E84-426E-40DD-AFC4-6F175D3DCCD1}">
-              <a14:hiddenFill xmlns:a14="http://schemas.microsoft.com/office/drawing/2010/main">
-                <a:solidFill>
-                  <a:srgbClr val="FFFFFF"/>
-                </a:solidFill>
-              </a14:hiddenFill>
-            </a:ext>
-          </a:extLst>
-        </p:spPr>
-      </p:pic>
-      <p:sp>
-        <p:nvSpPr>
-          <p:cNvPr id="3" name="Circle: Hollow 2">
-            <a:extLst>
-              <a:ext uri="{FF2B5EF4-FFF2-40B4-BE49-F238E27FC236}">
-                <a16:creationId xmlns:a16="http://schemas.microsoft.com/office/drawing/2014/main" id="{7DC5C94F-058A-B214-D443-ED604F64464D}"/>
-              </a:ext>
-            </a:extLst>
-          </p:cNvPr>
-          <p:cNvSpPr/>
-          <p:nvPr/>
-        </p:nvSpPr>
-        <p:spPr>
-          <a:xfrm>
-            <a:off x="11246069" y="5826673"/>
-            <a:ext cx="1545020" cy="1545020"/>
-          </a:xfrm>
-          <a:prstGeom prst="donut">
-            <a:avLst/>
-          </a:prstGeom>
-          <a:solidFill>
-            <a:srgbClr val="1B48AB"/>
-          </a:solidFill>
-          <a:ln>
-            <a:noFill/>
-          </a:ln>
-        </p:spPr>
-        <p:style>
-          <a:lnRef idx="2">
-            <a:schemeClr val="accent1">
-              <a:shade val="50000"/>
-            </a:schemeClr>
-          </a:lnRef>
-          <a:fillRef idx="1">
-            <a:schemeClr val="accent1"/>
-          </a:fillRef>
-          <a:effectRef idx="0">
-            <a:schemeClr val="accent1"/>
-          </a:effectRef>
-          <a:fontRef idx="minor">
-            <a:schemeClr val="lt1"/>
-          </a:fontRef>
-        </p:style>
-        <p:txBody>
-          <a:bodyPr rtlCol="0" anchor="ctr"/>
-          <a:lstStyle/>
-          <a:p>
-            <a:pPr algn="ctr"/>
-            <a:endParaRPr lang="en-PH">
-              <a:solidFill>
-                <a:schemeClr val="tx1"/>
-              </a:solidFill>
-            </a:endParaRPr>
-          </a:p>
-        </p:txBody>
-      </p:sp>
-      <p:sp>
-        <p:nvSpPr>
-          <p:cNvPr id="4" name="Circle: Hollow 3">
-            <a:extLst>
-              <a:ext uri="{FF2B5EF4-FFF2-40B4-BE49-F238E27FC236}">
-                <a16:creationId xmlns:a16="http://schemas.microsoft.com/office/drawing/2014/main" id="{5B233598-2254-2ED8-473D-593733AA0724}"/>
-              </a:ext>
-            </a:extLst>
-          </p:cNvPr>
-          <p:cNvSpPr/>
-          <p:nvPr/>
-        </p:nvSpPr>
-        <p:spPr>
-          <a:xfrm>
-            <a:off x="2349061" y="6319344"/>
-            <a:ext cx="1077311" cy="1077311"/>
-          </a:xfrm>
-          <a:prstGeom prst="donut">
-            <a:avLst/>
-          </a:prstGeom>
-          <a:solidFill>
-            <a:srgbClr val="0F1E54"/>
-          </a:solidFill>
-          <a:ln>
-            <a:noFill/>
-          </a:ln>
-        </p:spPr>
-        <p:style>
-          <a:lnRef idx="2">
-            <a:schemeClr val="accent1">
-              <a:shade val="50000"/>
-            </a:schemeClr>
-          </a:lnRef>
-          <a:fillRef idx="1">
-            <a:schemeClr val="accent1"/>
-          </a:fillRef>
-          <a:effectRef idx="0">
-            <a:schemeClr val="accent1"/>
-          </a:effectRef>
-          <a:fontRef idx="minor">
-            <a:schemeClr val="lt1"/>
-          </a:fontRef>
-        </p:style>
-        <p:txBody>
-          <a:bodyPr rtlCol="0" anchor="ctr"/>
-          <a:lstStyle/>
-          <a:p>
-            <a:pPr algn="ctr"/>
-            <a:endParaRPr lang="en-PH">
-              <a:solidFill>
-                <a:schemeClr val="tx1"/>
-              </a:solidFill>
-            </a:endParaRPr>
-          </a:p>
-        </p:txBody>
-      </p:sp>
-      <p:sp>
-        <p:nvSpPr>
-          <p:cNvPr id="5" name="Circle: Hollow 4">
-            <a:extLst>
-              <a:ext uri="{FF2B5EF4-FFF2-40B4-BE49-F238E27FC236}">
-                <a16:creationId xmlns:a16="http://schemas.microsoft.com/office/drawing/2014/main" id="{0EE1FC05-8352-9F1A-0AEF-B73C3964679D}"/>
-              </a:ext>
-            </a:extLst>
-          </p:cNvPr>
-          <p:cNvSpPr/>
-          <p:nvPr/>
-        </p:nvSpPr>
-        <p:spPr>
-          <a:xfrm>
-            <a:off x="388882" y="-675291"/>
-            <a:ext cx="1545021" cy="1545021"/>
-          </a:xfrm>
-          <a:prstGeom prst="donut">
-            <a:avLst/>
-          </a:prstGeom>
-          <a:solidFill>
-            <a:schemeClr val="tx2"/>
-          </a:solidFill>
-          <a:ln>
-            <a:noFill/>
-          </a:ln>
-        </p:spPr>
-        <p:style>
-          <a:lnRef idx="2">
-            <a:schemeClr val="accent1">
-              <a:shade val="50000"/>
-            </a:schemeClr>
-          </a:lnRef>
-          <a:fillRef idx="1">
-            <a:schemeClr val="accent1"/>
-          </a:fillRef>
-          <a:effectRef idx="0">
-            <a:schemeClr val="accent1"/>
-          </a:effectRef>
-          <a:fontRef idx="minor">
-            <a:schemeClr val="lt1"/>
-          </a:fontRef>
-        </p:style>
-        <p:txBody>
-          <a:bodyPr rtlCol="0" anchor="ctr"/>
-          <a:lstStyle/>
-          <a:p>
-            <a:pPr algn="ctr"/>
-            <a:endParaRPr lang="en-PH">
-              <a:solidFill>
-                <a:schemeClr val="tx1"/>
-              </a:solidFill>
-            </a:endParaRPr>
-          </a:p>
-        </p:txBody>
-      </p:sp>
-      <p:sp>
-        <p:nvSpPr>
-          <p:cNvPr id="6" name="Circle: Hollow 5">
-            <a:extLst>
-              <a:ext uri="{FF2B5EF4-FFF2-40B4-BE49-F238E27FC236}">
-                <a16:creationId xmlns:a16="http://schemas.microsoft.com/office/drawing/2014/main" id="{A30F3C6D-C513-01F3-00BB-DB9E31EA6DAC}"/>
-              </a:ext>
-            </a:extLst>
-          </p:cNvPr>
-          <p:cNvSpPr/>
-          <p:nvPr/>
-        </p:nvSpPr>
-        <p:spPr>
-          <a:xfrm>
-            <a:off x="-688428" y="5979073"/>
-            <a:ext cx="1545020" cy="1545020"/>
-          </a:xfrm>
-          <a:prstGeom prst="donut">
-            <a:avLst/>
-          </a:prstGeom>
-          <a:solidFill>
-            <a:srgbClr val="1B48AB"/>
-          </a:solidFill>
-          <a:ln>
-            <a:noFill/>
-          </a:ln>
-        </p:spPr>
-        <p:style>
-          <a:lnRef idx="2">
-            <a:schemeClr val="accent1">
-              <a:shade val="50000"/>
-            </a:schemeClr>
-          </a:lnRef>
-          <a:fillRef idx="1">
-            <a:schemeClr val="accent1"/>
-          </a:fillRef>
-          <a:effectRef idx="0">
-            <a:schemeClr val="accent1"/>
-          </a:effectRef>
-          <a:fontRef idx="minor">
-            <a:schemeClr val="lt1"/>
-          </a:fontRef>
-        </p:style>
-        <p:txBody>
-          <a:bodyPr rtlCol="0" anchor="ctr"/>
-          <a:lstStyle/>
-          <a:p>
-            <a:pPr algn="ctr"/>
-            <a:endParaRPr lang="en-PH">
-              <a:solidFill>
-                <a:schemeClr val="tx1"/>
-              </a:solidFill>
-            </a:endParaRPr>
-          </a:p>
-        </p:txBody>
-      </p:sp>
-      <p:sp>
-        <p:nvSpPr>
-          <p:cNvPr id="8" name="Circle: Hollow 7">
-            <a:extLst>
-              <a:ext uri="{FF2B5EF4-FFF2-40B4-BE49-F238E27FC236}">
-                <a16:creationId xmlns:a16="http://schemas.microsoft.com/office/drawing/2014/main" id="{3CA9767B-B15E-DDD1-E85B-7509686D399D}"/>
-              </a:ext>
-            </a:extLst>
-          </p:cNvPr>
-          <p:cNvSpPr/>
-          <p:nvPr/>
-        </p:nvSpPr>
-        <p:spPr>
-          <a:xfrm>
-            <a:off x="11479923" y="4621923"/>
-            <a:ext cx="1077311" cy="1077311"/>
-          </a:xfrm>
-          <a:prstGeom prst="donut">
-            <a:avLst/>
-          </a:prstGeom>
-          <a:solidFill>
-            <a:srgbClr val="0F1E54"/>
-          </a:solidFill>
-          <a:ln>
-            <a:noFill/>
-          </a:ln>
-        </p:spPr>
-        <p:style>
-          <a:lnRef idx="2">
-            <a:schemeClr val="accent1">
-              <a:shade val="50000"/>
-            </a:schemeClr>
-          </a:lnRef>
-          <a:fillRef idx="1">
-            <a:schemeClr val="accent1"/>
-          </a:fillRef>
-          <a:effectRef idx="0">
-            <a:schemeClr val="accent1"/>
-          </a:effectRef>
-          <a:fontRef idx="minor">
-            <a:schemeClr val="lt1"/>
-          </a:fontRef>
-        </p:style>
-        <p:txBody>
-          <a:bodyPr rtlCol="0" anchor="ctr"/>
-          <a:lstStyle/>
-          <a:p>
-            <a:pPr algn="ctr"/>
-            <a:endParaRPr lang="en-PH">
-              <a:solidFill>
-                <a:schemeClr val="tx1"/>
-              </a:solidFill>
-            </a:endParaRPr>
-          </a:p>
-        </p:txBody>
-      </p:sp>
-    </p:spTree>
-    <p:extLst>
-      <p:ext uri="{BB962C8B-B14F-4D97-AF65-F5344CB8AC3E}">
-        <p14:creationId xmlns:p14="http://schemas.microsoft.com/office/powerpoint/2010/main" val="2045842105"/>
-      </p:ext>
-    </p:extLst>
-  </p:cSld>
-  <p:clrMapOvr>
-    <a:masterClrMapping/>
-  </p:clrMapOvr>
-  <mc:AlternateContent xmlns:mc="http://schemas.openxmlformats.org/markup-compatibility/2006">
-    <mc:Choice xmlns:p14="http://schemas.microsoft.com/office/powerpoint/2010/main" Requires="p14">
-      <p:transition spd="med" p14:dur="700">
-        <p:fade/>
-      </p:transition>
-    </mc:Choice>
-    <mc:Fallback>
-      <p:transition spd="med">
-        <p:fade/>
-      </p:transition>
-    </mc:Fallback>
-  </mc:AlternateContent>
-</p:sld>
-</file>
-
-<file path=ppt/slides/slide6.xml><?xml version="1.0" encoding="utf-8"?>
-<p:sld xmlns:a="http://schemas.openxmlformats.org/drawingml/2006/main" xmlns:r="http://schemas.openxmlformats.org/officeDocument/2006/relationships" xmlns:p="http://schemas.openxmlformats.org/presentationml/2006/main">
-  <p:cSld>
-    <p:spTree>
-      <p:nvGrpSpPr>
-        <p:cNvPr id="1" name=""/>
-        <p:cNvGrpSpPr/>
-        <p:nvPr/>
-      </p:nvGrpSpPr>
-      <p:grpSpPr>
-        <a:xfrm>
-          <a:off x="0" y="0"/>
-          <a:ext cx="0" cy="0"/>
-          <a:chOff x="0" y="0"/>
-          <a:chExt cx="0" cy="0"/>
-        </a:xfrm>
-      </p:grpSpPr>
-      <p:sp>
-        <p:nvSpPr>
-          <p:cNvPr id="3" name="Title 1">
-            <a:extLst>
-              <a:ext uri="{FF2B5EF4-FFF2-40B4-BE49-F238E27FC236}">
-                <a16:creationId xmlns:a16="http://schemas.microsoft.com/office/drawing/2014/main" id="{CF0A4C75-7AA1-8449-C8F6-6BAE29427242}"/>
-              </a:ext>
-            </a:extLst>
-          </p:cNvPr>
-          <p:cNvSpPr txBox="1">
-            <a:spLocks/>
-          </p:cNvSpPr>
-          <p:nvPr/>
-        </p:nvSpPr>
-        <p:spPr>
-          <a:xfrm>
-            <a:off x="2611315" y="1230191"/>
-            <a:ext cx="6969369" cy="973748"/>
-          </a:xfrm>
-          <a:prstGeom prst="rect">
-            <a:avLst/>
-          </a:prstGeom>
-        </p:spPr>
-        <p:txBody>
-          <a:bodyPr>
-            <a:normAutofit/>
-          </a:bodyPr>
-          <a:lstStyle>
-            <a:lvl1pPr algn="l" defTabSz="914400" rtl="0" eaLnBrk="1" latinLnBrk="0" hangingPunct="1">
-              <a:lnSpc>
-                <a:spcPct val="90000"/>
-              </a:lnSpc>
-              <a:spcBef>
-                <a:spcPct val="0"/>
-              </a:spcBef>
-              <a:buNone/>
-              <a:defRPr sz="4400" kern="1200">
-                <a:solidFill>
-                  <a:schemeClr val="tx1"/>
-                </a:solidFill>
-                <a:latin typeface="+mj-lt"/>
-                <a:ea typeface="+mj-ea"/>
-                <a:cs typeface="+mj-cs"/>
-              </a:defRPr>
-            </a:lvl1pPr>
-          </a:lstStyle>
-          <a:p>
-            <a:pPr algn="ctr"/>
-            <a:r>
-              <a:rPr lang="en-US" sz="6000" dirty="0"/>
-              <a:t>3-Step ML Model</a:t>
-            </a:r>
-            <a:endParaRPr lang="en-PH" sz="6000" dirty="0"/>
-          </a:p>
-        </p:txBody>
-      </p:sp>
-      <p:sp>
-        <p:nvSpPr>
-          <p:cNvPr id="6" name="Content Placeholder 4">
-            <a:extLst>
-              <a:ext uri="{FF2B5EF4-FFF2-40B4-BE49-F238E27FC236}">
-                <a16:creationId xmlns:a16="http://schemas.microsoft.com/office/drawing/2014/main" id="{04E9E541-BADC-DD1A-8074-68BA4D559DEC}"/>
-              </a:ext>
-            </a:extLst>
-          </p:cNvPr>
-          <p:cNvSpPr txBox="1">
-            <a:spLocks/>
-          </p:cNvSpPr>
-          <p:nvPr/>
-        </p:nvSpPr>
-        <p:spPr>
-          <a:xfrm>
-            <a:off x="899932" y="4778748"/>
-            <a:ext cx="2880000" cy="1200325"/>
-          </a:xfrm>
-          <a:prstGeom prst="rect">
-            <a:avLst/>
-          </a:prstGeom>
-        </p:spPr>
-        <p:txBody>
-          <a:bodyPr>
-            <a:normAutofit/>
-          </a:bodyPr>
-          <a:lstStyle>
-            <a:lvl1pPr marL="228600" indent="-228600" algn="l" defTabSz="914400" rtl="0" eaLnBrk="1" latinLnBrk="0" hangingPunct="1">
-              <a:lnSpc>
-                <a:spcPct val="90000"/>
-              </a:lnSpc>
-              <a:spcBef>
-                <a:spcPts val="1000"/>
-              </a:spcBef>
-              <a:buFont typeface="Arial" panose="020B0604020202020204" pitchFamily="34" charset="0"/>
-              <a:buChar char="•"/>
-              <a:defRPr sz="2800" kern="1200">
-                <a:solidFill>
-                  <a:schemeClr val="tx1"/>
-                </a:solidFill>
-                <a:latin typeface="+mn-lt"/>
-                <a:ea typeface="+mn-ea"/>
-                <a:cs typeface="+mn-cs"/>
-              </a:defRPr>
-            </a:lvl1pPr>
-            <a:lvl2pPr marL="685800" indent="-228600" algn="l" defTabSz="914400" rtl="0" eaLnBrk="1" latinLnBrk="0" hangingPunct="1">
-              <a:lnSpc>
-                <a:spcPct val="90000"/>
-              </a:lnSpc>
-              <a:spcBef>
-                <a:spcPts val="500"/>
-              </a:spcBef>
-              <a:buFont typeface="Arial" panose="020B0604020202020204" pitchFamily="34" charset="0"/>
-              <a:buChar char="•"/>
-              <a:defRPr sz="2400" kern="1200">
-                <a:solidFill>
-                  <a:schemeClr val="tx1"/>
-                </a:solidFill>
-                <a:latin typeface="+mn-lt"/>
-                <a:ea typeface="+mn-ea"/>
-                <a:cs typeface="+mn-cs"/>
-              </a:defRPr>
-            </a:lvl2pPr>
-            <a:lvl3pPr marL="1143000" indent="-228600" algn="l" defTabSz="914400" rtl="0" eaLnBrk="1" latinLnBrk="0" hangingPunct="1">
-              <a:lnSpc>
-                <a:spcPct val="90000"/>
-              </a:lnSpc>
-              <a:spcBef>
-                <a:spcPts val="500"/>
-              </a:spcBef>
-              <a:buFont typeface="Arial" panose="020B0604020202020204" pitchFamily="34" charset="0"/>
-              <a:buChar char="•"/>
-              <a:defRPr sz="2000" kern="1200">
-                <a:solidFill>
-                  <a:schemeClr val="tx1"/>
-                </a:solidFill>
-                <a:latin typeface="+mn-lt"/>
-                <a:ea typeface="+mn-ea"/>
-                <a:cs typeface="+mn-cs"/>
-              </a:defRPr>
-            </a:lvl3pPr>
-            <a:lvl4pPr marL="1600200" indent="-228600" algn="l" defTabSz="914400" rtl="0" eaLnBrk="1" latinLnBrk="0" hangingPunct="1">
-              <a:lnSpc>
-                <a:spcPct val="90000"/>
-              </a:lnSpc>
-              <a:spcBef>
-                <a:spcPts val="500"/>
-              </a:spcBef>
-              <a:buFont typeface="Arial" panose="020B0604020202020204" pitchFamily="34" charset="0"/>
-              <a:buChar char="•"/>
-              <a:defRPr sz="1800" kern="1200">
-                <a:solidFill>
-                  <a:schemeClr val="tx1"/>
-                </a:solidFill>
-                <a:latin typeface="+mn-lt"/>
-                <a:ea typeface="+mn-ea"/>
-                <a:cs typeface="+mn-cs"/>
-              </a:defRPr>
-            </a:lvl4pPr>
-            <a:lvl5pPr marL="2057400" indent="-228600" algn="l" defTabSz="914400" rtl="0" eaLnBrk="1" latinLnBrk="0" hangingPunct="1">
-              <a:lnSpc>
-                <a:spcPct val="90000"/>
-              </a:lnSpc>
-              <a:spcBef>
-                <a:spcPts val="500"/>
-              </a:spcBef>
-              <a:buFont typeface="Arial" panose="020B0604020202020204" pitchFamily="34" charset="0"/>
-              <a:buChar char="•"/>
-              <a:defRPr sz="1800" kern="1200">
-                <a:solidFill>
-                  <a:schemeClr val="tx1"/>
-                </a:solidFill>
-                <a:latin typeface="+mn-lt"/>
-                <a:ea typeface="+mn-ea"/>
-                <a:cs typeface="+mn-cs"/>
-              </a:defRPr>
-            </a:lvl5pPr>
-            <a:lvl6pPr marL="2514600" indent="-228600" algn="l" defTabSz="914400" rtl="0" eaLnBrk="1" latinLnBrk="0" hangingPunct="1">
-              <a:lnSpc>
-                <a:spcPct val="90000"/>
-              </a:lnSpc>
-              <a:spcBef>
-                <a:spcPts val="500"/>
-              </a:spcBef>
-              <a:buFont typeface="Arial" panose="020B0604020202020204" pitchFamily="34" charset="0"/>
-              <a:buChar char="•"/>
-              <a:defRPr sz="1800" kern="1200">
-                <a:solidFill>
-                  <a:schemeClr val="tx1"/>
-                </a:solidFill>
-                <a:latin typeface="+mn-lt"/>
-                <a:ea typeface="+mn-ea"/>
-                <a:cs typeface="+mn-cs"/>
-              </a:defRPr>
-            </a:lvl6pPr>
-            <a:lvl7pPr marL="2971800" indent="-228600" algn="l" defTabSz="914400" rtl="0" eaLnBrk="1" latinLnBrk="0" hangingPunct="1">
-              <a:lnSpc>
-                <a:spcPct val="90000"/>
-              </a:lnSpc>
-              <a:spcBef>
-                <a:spcPts val="500"/>
-              </a:spcBef>
-              <a:buFont typeface="Arial" panose="020B0604020202020204" pitchFamily="34" charset="0"/>
-              <a:buChar char="•"/>
-              <a:defRPr sz="1800" kern="1200">
-                <a:solidFill>
-                  <a:schemeClr val="tx1"/>
-                </a:solidFill>
-                <a:latin typeface="+mn-lt"/>
-                <a:ea typeface="+mn-ea"/>
-                <a:cs typeface="+mn-cs"/>
-              </a:defRPr>
-            </a:lvl7pPr>
-            <a:lvl8pPr marL="3429000" indent="-228600" algn="l" defTabSz="914400" rtl="0" eaLnBrk="1" latinLnBrk="0" hangingPunct="1">
-              <a:lnSpc>
-                <a:spcPct val="90000"/>
-              </a:lnSpc>
-              <a:spcBef>
-                <a:spcPts val="500"/>
-              </a:spcBef>
-              <a:buFont typeface="Arial" panose="020B0604020202020204" pitchFamily="34" charset="0"/>
-              <a:buChar char="•"/>
-              <a:defRPr sz="1800" kern="1200">
-                <a:solidFill>
-                  <a:schemeClr val="tx1"/>
-                </a:solidFill>
-                <a:latin typeface="+mn-lt"/>
-                <a:ea typeface="+mn-ea"/>
-                <a:cs typeface="+mn-cs"/>
-              </a:defRPr>
-            </a:lvl8pPr>
-            <a:lvl9pPr marL="3886200" indent="-228600" algn="l" defTabSz="914400" rtl="0" eaLnBrk="1" latinLnBrk="0" hangingPunct="1">
-              <a:lnSpc>
-                <a:spcPct val="90000"/>
-              </a:lnSpc>
-              <a:spcBef>
-                <a:spcPts val="500"/>
-              </a:spcBef>
-              <a:buFont typeface="Arial" panose="020B0604020202020204" pitchFamily="34" charset="0"/>
-              <a:buChar char="•"/>
-              <a:defRPr sz="1800" kern="1200">
-                <a:solidFill>
-                  <a:schemeClr val="tx1"/>
-                </a:solidFill>
-                <a:latin typeface="+mn-lt"/>
-                <a:ea typeface="+mn-ea"/>
-                <a:cs typeface="+mn-cs"/>
-              </a:defRPr>
-            </a:lvl9pPr>
-          </a:lstStyle>
-          <a:p>
-            <a:pPr marL="0" indent="0" algn="ctr">
-              <a:buNone/>
-            </a:pPr>
-            <a:r>
-              <a:rPr lang="en-US" sz="1400" i="1" dirty="0">
-                <a:solidFill>
-                  <a:schemeClr val="bg2">
-                    <a:lumMod val="25000"/>
-                  </a:schemeClr>
-                </a:solidFill>
-              </a:rPr>
-              <a:t>Understanding our data</a:t>
-            </a:r>
-          </a:p>
-          <a:p>
-            <a:pPr marL="0" indent="0" algn="ctr">
-              <a:buNone/>
-            </a:pPr>
-            <a:r>
-              <a:rPr lang="en-PH" sz="1400" i="1" dirty="0">
-                <a:solidFill>
-                  <a:schemeClr val="bg2">
-                    <a:lumMod val="25000"/>
-                  </a:schemeClr>
-                </a:solidFill>
-              </a:rPr>
-              <a:t>Data Preprocessing</a:t>
-            </a:r>
-          </a:p>
-          <a:p>
-            <a:pPr marL="0" indent="0" algn="ctr">
-              <a:buNone/>
-            </a:pPr>
-            <a:r>
-              <a:rPr lang="en-PH" sz="1400" i="1" dirty="0">
-                <a:solidFill>
-                  <a:schemeClr val="bg2">
-                    <a:lumMod val="25000"/>
-                  </a:schemeClr>
-                </a:solidFill>
-              </a:rPr>
-              <a:t>Feature Engineering</a:t>
-            </a:r>
-          </a:p>
-        </p:txBody>
-      </p:sp>
-      <p:sp>
-        <p:nvSpPr>
-          <p:cNvPr id="7" name="Text Placeholder 5">
-            <a:extLst>
-              <a:ext uri="{FF2B5EF4-FFF2-40B4-BE49-F238E27FC236}">
-                <a16:creationId xmlns:a16="http://schemas.microsoft.com/office/drawing/2014/main" id="{26FAA654-0791-5ABB-4E0E-1E8D6A23F936}"/>
-              </a:ext>
-            </a:extLst>
-          </p:cNvPr>
-          <p:cNvSpPr txBox="1">
-            <a:spLocks/>
-          </p:cNvSpPr>
-          <p:nvPr/>
-        </p:nvSpPr>
-        <p:spPr>
-          <a:xfrm>
-            <a:off x="899930" y="4057309"/>
-            <a:ext cx="2880000" cy="378690"/>
-          </a:xfrm>
-          <a:prstGeom prst="rect">
-            <a:avLst/>
-          </a:prstGeom>
-        </p:spPr>
-        <p:txBody>
-          <a:bodyPr>
-            <a:normAutofit/>
-          </a:bodyPr>
-          <a:lstStyle>
-            <a:lvl1pPr marL="228600" indent="-228600" algn="l" defTabSz="914400" rtl="0" eaLnBrk="1" latinLnBrk="0" hangingPunct="1">
-              <a:lnSpc>
-                <a:spcPct val="90000"/>
-              </a:lnSpc>
-              <a:spcBef>
-                <a:spcPts val="1000"/>
-              </a:spcBef>
-              <a:buFont typeface="Arial" panose="020B0604020202020204" pitchFamily="34" charset="0"/>
-              <a:buChar char="•"/>
-              <a:defRPr sz="2800" kern="1200">
-                <a:solidFill>
-                  <a:schemeClr val="tx1"/>
-                </a:solidFill>
-                <a:latin typeface="+mn-lt"/>
-                <a:ea typeface="+mn-ea"/>
-                <a:cs typeface="+mn-cs"/>
-              </a:defRPr>
-            </a:lvl1pPr>
-            <a:lvl2pPr marL="685800" indent="-228600" algn="l" defTabSz="914400" rtl="0" eaLnBrk="1" latinLnBrk="0" hangingPunct="1">
-              <a:lnSpc>
-                <a:spcPct val="90000"/>
-              </a:lnSpc>
-              <a:spcBef>
-                <a:spcPts val="500"/>
-              </a:spcBef>
-              <a:buFont typeface="Arial" panose="020B0604020202020204" pitchFamily="34" charset="0"/>
-              <a:buChar char="•"/>
-              <a:defRPr sz="2400" kern="1200">
-                <a:solidFill>
-                  <a:schemeClr val="tx1"/>
-                </a:solidFill>
-                <a:latin typeface="+mn-lt"/>
-                <a:ea typeface="+mn-ea"/>
-                <a:cs typeface="+mn-cs"/>
-              </a:defRPr>
-            </a:lvl2pPr>
-            <a:lvl3pPr marL="1143000" indent="-228600" algn="l" defTabSz="914400" rtl="0" eaLnBrk="1" latinLnBrk="0" hangingPunct="1">
-              <a:lnSpc>
-                <a:spcPct val="90000"/>
-              </a:lnSpc>
-              <a:spcBef>
-                <a:spcPts val="500"/>
-              </a:spcBef>
-              <a:buFont typeface="Arial" panose="020B0604020202020204" pitchFamily="34" charset="0"/>
-              <a:buChar char="•"/>
-              <a:defRPr sz="2000" kern="1200">
-                <a:solidFill>
-                  <a:schemeClr val="tx1"/>
-                </a:solidFill>
-                <a:latin typeface="+mn-lt"/>
-                <a:ea typeface="+mn-ea"/>
-                <a:cs typeface="+mn-cs"/>
-              </a:defRPr>
-            </a:lvl3pPr>
-            <a:lvl4pPr marL="1600200" indent="-228600" algn="l" defTabSz="914400" rtl="0" eaLnBrk="1" latinLnBrk="0" hangingPunct="1">
-              <a:lnSpc>
-                <a:spcPct val="90000"/>
-              </a:lnSpc>
-              <a:spcBef>
-                <a:spcPts val="500"/>
-              </a:spcBef>
-              <a:buFont typeface="Arial" panose="020B0604020202020204" pitchFamily="34" charset="0"/>
-              <a:buChar char="•"/>
-              <a:defRPr sz="1800" kern="1200">
-                <a:solidFill>
-                  <a:schemeClr val="tx1"/>
-                </a:solidFill>
-                <a:latin typeface="+mn-lt"/>
-                <a:ea typeface="+mn-ea"/>
-                <a:cs typeface="+mn-cs"/>
-              </a:defRPr>
-            </a:lvl4pPr>
-            <a:lvl5pPr marL="2057400" indent="-228600" algn="l" defTabSz="914400" rtl="0" eaLnBrk="1" latinLnBrk="0" hangingPunct="1">
-              <a:lnSpc>
-                <a:spcPct val="90000"/>
-              </a:lnSpc>
-              <a:spcBef>
-                <a:spcPts val="500"/>
-              </a:spcBef>
-              <a:buFont typeface="Arial" panose="020B0604020202020204" pitchFamily="34" charset="0"/>
-              <a:buChar char="•"/>
-              <a:defRPr sz="1800" kern="1200">
-                <a:solidFill>
-                  <a:schemeClr val="tx1"/>
-                </a:solidFill>
-                <a:latin typeface="+mn-lt"/>
-                <a:ea typeface="+mn-ea"/>
-                <a:cs typeface="+mn-cs"/>
-              </a:defRPr>
-            </a:lvl5pPr>
-            <a:lvl6pPr marL="2514600" indent="-228600" algn="l" defTabSz="914400" rtl="0" eaLnBrk="1" latinLnBrk="0" hangingPunct="1">
-              <a:lnSpc>
-                <a:spcPct val="90000"/>
-              </a:lnSpc>
-              <a:spcBef>
-                <a:spcPts val="500"/>
-              </a:spcBef>
-              <a:buFont typeface="Arial" panose="020B0604020202020204" pitchFamily="34" charset="0"/>
-              <a:buChar char="•"/>
-              <a:defRPr sz="1800" kern="1200">
-                <a:solidFill>
-                  <a:schemeClr val="tx1"/>
-                </a:solidFill>
-                <a:latin typeface="+mn-lt"/>
-                <a:ea typeface="+mn-ea"/>
-                <a:cs typeface="+mn-cs"/>
-              </a:defRPr>
-            </a:lvl6pPr>
-            <a:lvl7pPr marL="2971800" indent="-228600" algn="l" defTabSz="914400" rtl="0" eaLnBrk="1" latinLnBrk="0" hangingPunct="1">
-              <a:lnSpc>
-                <a:spcPct val="90000"/>
-              </a:lnSpc>
-              <a:spcBef>
-                <a:spcPts val="500"/>
-              </a:spcBef>
-              <a:buFont typeface="Arial" panose="020B0604020202020204" pitchFamily="34" charset="0"/>
-              <a:buChar char="•"/>
-              <a:defRPr sz="1800" kern="1200">
-                <a:solidFill>
-                  <a:schemeClr val="tx1"/>
-                </a:solidFill>
-                <a:latin typeface="+mn-lt"/>
-                <a:ea typeface="+mn-ea"/>
-                <a:cs typeface="+mn-cs"/>
-              </a:defRPr>
-            </a:lvl7pPr>
-            <a:lvl8pPr marL="3429000" indent="-228600" algn="l" defTabSz="914400" rtl="0" eaLnBrk="1" latinLnBrk="0" hangingPunct="1">
-              <a:lnSpc>
-                <a:spcPct val="90000"/>
-              </a:lnSpc>
-              <a:spcBef>
-                <a:spcPts val="500"/>
-              </a:spcBef>
-              <a:buFont typeface="Arial" panose="020B0604020202020204" pitchFamily="34" charset="0"/>
-              <a:buChar char="•"/>
-              <a:defRPr sz="1800" kern="1200">
-                <a:solidFill>
-                  <a:schemeClr val="tx1"/>
-                </a:solidFill>
-                <a:latin typeface="+mn-lt"/>
-                <a:ea typeface="+mn-ea"/>
-                <a:cs typeface="+mn-cs"/>
-              </a:defRPr>
-            </a:lvl8pPr>
-            <a:lvl9pPr marL="3886200" indent="-228600" algn="l" defTabSz="914400" rtl="0" eaLnBrk="1" latinLnBrk="0" hangingPunct="1">
-              <a:lnSpc>
-                <a:spcPct val="90000"/>
-              </a:lnSpc>
-              <a:spcBef>
-                <a:spcPts val="500"/>
-              </a:spcBef>
-              <a:buFont typeface="Arial" panose="020B0604020202020204" pitchFamily="34" charset="0"/>
-              <a:buChar char="•"/>
-              <a:defRPr sz="1800" kern="1200">
-                <a:solidFill>
-                  <a:schemeClr val="tx1"/>
-                </a:solidFill>
-                <a:latin typeface="+mn-lt"/>
-                <a:ea typeface="+mn-ea"/>
-                <a:cs typeface="+mn-cs"/>
-              </a:defRPr>
-            </a:lvl9pPr>
-          </a:lstStyle>
-          <a:p>
-            <a:pPr marL="0" indent="0" algn="ctr">
-              <a:buNone/>
-            </a:pPr>
-            <a:r>
-              <a:rPr lang="en-US" sz="2000" b="1" dirty="0">
-                <a:solidFill>
-                  <a:schemeClr val="tx2"/>
-                </a:solidFill>
-                <a:latin typeface="Raleway" pitchFamily="2" charset="0"/>
-              </a:rPr>
-              <a:t>1. Data Wrangling</a:t>
-            </a:r>
-            <a:endParaRPr lang="en-PH" sz="2000" b="1" dirty="0">
-              <a:solidFill>
-                <a:schemeClr val="tx2"/>
-              </a:solidFill>
-              <a:latin typeface="Raleway" pitchFamily="2" charset="0"/>
-            </a:endParaRPr>
-          </a:p>
-        </p:txBody>
-      </p:sp>
-      <p:sp>
-        <p:nvSpPr>
-          <p:cNvPr id="8" name="Text Placeholder 5">
-            <a:extLst>
-              <a:ext uri="{FF2B5EF4-FFF2-40B4-BE49-F238E27FC236}">
-                <a16:creationId xmlns:a16="http://schemas.microsoft.com/office/drawing/2014/main" id="{405D6E36-3CF3-73EB-6826-5FA246AE666A}"/>
-              </a:ext>
-            </a:extLst>
-          </p:cNvPr>
-          <p:cNvSpPr txBox="1">
-            <a:spLocks/>
-          </p:cNvSpPr>
-          <p:nvPr/>
-        </p:nvSpPr>
-        <p:spPr>
-          <a:xfrm>
-            <a:off x="4573530" y="4057309"/>
-            <a:ext cx="2880000" cy="378690"/>
-          </a:xfrm>
-          <a:prstGeom prst="rect">
-            <a:avLst/>
-          </a:prstGeom>
-        </p:spPr>
-        <p:txBody>
-          <a:bodyPr>
-            <a:normAutofit/>
-          </a:bodyPr>
-          <a:lstStyle>
-            <a:lvl1pPr marL="228600" indent="-228600" algn="l" defTabSz="914400" rtl="0" eaLnBrk="1" latinLnBrk="0" hangingPunct="1">
-              <a:lnSpc>
-                <a:spcPct val="90000"/>
-              </a:lnSpc>
-              <a:spcBef>
-                <a:spcPts val="1000"/>
-              </a:spcBef>
-              <a:buFont typeface="Arial" panose="020B0604020202020204" pitchFamily="34" charset="0"/>
-              <a:buChar char="•"/>
-              <a:defRPr sz="2800" kern="1200">
-                <a:solidFill>
-                  <a:schemeClr val="tx1"/>
-                </a:solidFill>
-                <a:latin typeface="+mn-lt"/>
-                <a:ea typeface="+mn-ea"/>
-                <a:cs typeface="+mn-cs"/>
-              </a:defRPr>
-            </a:lvl1pPr>
-            <a:lvl2pPr marL="685800" indent="-228600" algn="l" defTabSz="914400" rtl="0" eaLnBrk="1" latinLnBrk="0" hangingPunct="1">
-              <a:lnSpc>
-                <a:spcPct val="90000"/>
-              </a:lnSpc>
-              <a:spcBef>
-                <a:spcPts val="500"/>
-              </a:spcBef>
-              <a:buFont typeface="Arial" panose="020B0604020202020204" pitchFamily="34" charset="0"/>
-              <a:buChar char="•"/>
-              <a:defRPr sz="2400" kern="1200">
-                <a:solidFill>
-                  <a:schemeClr val="tx1"/>
-                </a:solidFill>
-                <a:latin typeface="+mn-lt"/>
-                <a:ea typeface="+mn-ea"/>
-                <a:cs typeface="+mn-cs"/>
-              </a:defRPr>
-            </a:lvl2pPr>
-            <a:lvl3pPr marL="1143000" indent="-228600" algn="l" defTabSz="914400" rtl="0" eaLnBrk="1" latinLnBrk="0" hangingPunct="1">
-              <a:lnSpc>
-                <a:spcPct val="90000"/>
-              </a:lnSpc>
-              <a:spcBef>
-                <a:spcPts val="500"/>
-              </a:spcBef>
-              <a:buFont typeface="Arial" panose="020B0604020202020204" pitchFamily="34" charset="0"/>
-              <a:buChar char="•"/>
-              <a:defRPr sz="2000" kern="1200">
-                <a:solidFill>
-                  <a:schemeClr val="tx1"/>
-                </a:solidFill>
-                <a:latin typeface="+mn-lt"/>
-                <a:ea typeface="+mn-ea"/>
-                <a:cs typeface="+mn-cs"/>
-              </a:defRPr>
-            </a:lvl3pPr>
-            <a:lvl4pPr marL="1600200" indent="-228600" algn="l" defTabSz="914400" rtl="0" eaLnBrk="1" latinLnBrk="0" hangingPunct="1">
-              <a:lnSpc>
-                <a:spcPct val="90000"/>
-              </a:lnSpc>
-              <a:spcBef>
-                <a:spcPts val="500"/>
-              </a:spcBef>
-              <a:buFont typeface="Arial" panose="020B0604020202020204" pitchFamily="34" charset="0"/>
-              <a:buChar char="•"/>
-              <a:defRPr sz="1800" kern="1200">
-                <a:solidFill>
-                  <a:schemeClr val="tx1"/>
-                </a:solidFill>
-                <a:latin typeface="+mn-lt"/>
-                <a:ea typeface="+mn-ea"/>
-                <a:cs typeface="+mn-cs"/>
-              </a:defRPr>
-            </a:lvl4pPr>
-            <a:lvl5pPr marL="2057400" indent="-228600" algn="l" defTabSz="914400" rtl="0" eaLnBrk="1" latinLnBrk="0" hangingPunct="1">
-              <a:lnSpc>
-                <a:spcPct val="90000"/>
-              </a:lnSpc>
-              <a:spcBef>
-                <a:spcPts val="500"/>
-              </a:spcBef>
-              <a:buFont typeface="Arial" panose="020B0604020202020204" pitchFamily="34" charset="0"/>
-              <a:buChar char="•"/>
-              <a:defRPr sz="1800" kern="1200">
-                <a:solidFill>
-                  <a:schemeClr val="tx1"/>
-                </a:solidFill>
-                <a:latin typeface="+mn-lt"/>
-                <a:ea typeface="+mn-ea"/>
-                <a:cs typeface="+mn-cs"/>
-              </a:defRPr>
-            </a:lvl5pPr>
-            <a:lvl6pPr marL="2514600" indent="-228600" algn="l" defTabSz="914400" rtl="0" eaLnBrk="1" latinLnBrk="0" hangingPunct="1">
-              <a:lnSpc>
-                <a:spcPct val="90000"/>
-              </a:lnSpc>
-              <a:spcBef>
-                <a:spcPts val="500"/>
-              </a:spcBef>
-              <a:buFont typeface="Arial" panose="020B0604020202020204" pitchFamily="34" charset="0"/>
-              <a:buChar char="•"/>
-              <a:defRPr sz="1800" kern="1200">
-                <a:solidFill>
-                  <a:schemeClr val="tx1"/>
-                </a:solidFill>
-                <a:latin typeface="+mn-lt"/>
-                <a:ea typeface="+mn-ea"/>
-                <a:cs typeface="+mn-cs"/>
-              </a:defRPr>
-            </a:lvl6pPr>
-            <a:lvl7pPr marL="2971800" indent="-228600" algn="l" defTabSz="914400" rtl="0" eaLnBrk="1" latinLnBrk="0" hangingPunct="1">
-              <a:lnSpc>
-                <a:spcPct val="90000"/>
-              </a:lnSpc>
-              <a:spcBef>
-                <a:spcPts val="500"/>
-              </a:spcBef>
-              <a:buFont typeface="Arial" panose="020B0604020202020204" pitchFamily="34" charset="0"/>
-              <a:buChar char="•"/>
-              <a:defRPr sz="1800" kern="1200">
-                <a:solidFill>
-                  <a:schemeClr val="tx1"/>
-                </a:solidFill>
-                <a:latin typeface="+mn-lt"/>
-                <a:ea typeface="+mn-ea"/>
-                <a:cs typeface="+mn-cs"/>
-              </a:defRPr>
-            </a:lvl7pPr>
-            <a:lvl8pPr marL="3429000" indent="-228600" algn="l" defTabSz="914400" rtl="0" eaLnBrk="1" latinLnBrk="0" hangingPunct="1">
-              <a:lnSpc>
-                <a:spcPct val="90000"/>
-              </a:lnSpc>
-              <a:spcBef>
-                <a:spcPts val="500"/>
-              </a:spcBef>
-              <a:buFont typeface="Arial" panose="020B0604020202020204" pitchFamily="34" charset="0"/>
-              <a:buChar char="•"/>
-              <a:defRPr sz="1800" kern="1200">
-                <a:solidFill>
-                  <a:schemeClr val="tx1"/>
-                </a:solidFill>
-                <a:latin typeface="+mn-lt"/>
-                <a:ea typeface="+mn-ea"/>
-                <a:cs typeface="+mn-cs"/>
-              </a:defRPr>
-            </a:lvl8pPr>
-            <a:lvl9pPr marL="3886200" indent="-228600" algn="l" defTabSz="914400" rtl="0" eaLnBrk="1" latinLnBrk="0" hangingPunct="1">
-              <a:lnSpc>
-                <a:spcPct val="90000"/>
-              </a:lnSpc>
-              <a:spcBef>
-                <a:spcPts val="500"/>
-              </a:spcBef>
-              <a:buFont typeface="Arial" panose="020B0604020202020204" pitchFamily="34" charset="0"/>
-              <a:buChar char="•"/>
-              <a:defRPr sz="1800" kern="1200">
-                <a:solidFill>
-                  <a:schemeClr val="tx1"/>
-                </a:solidFill>
-                <a:latin typeface="+mn-lt"/>
-                <a:ea typeface="+mn-ea"/>
-                <a:cs typeface="+mn-cs"/>
-              </a:defRPr>
-            </a:lvl9pPr>
-          </a:lstStyle>
-          <a:p>
-            <a:pPr marL="0" indent="0" algn="ctr">
-              <a:buNone/>
-            </a:pPr>
-            <a:r>
-              <a:rPr lang="en-US" sz="2000" b="1" dirty="0">
-                <a:solidFill>
-                  <a:schemeClr val="tx2"/>
-                </a:solidFill>
-                <a:latin typeface="Raleway" pitchFamily="2" charset="0"/>
-              </a:rPr>
-              <a:t>2. Model Creation</a:t>
-            </a:r>
-            <a:endParaRPr lang="en-PH" sz="2000" b="1" dirty="0">
-              <a:solidFill>
-                <a:schemeClr val="tx2"/>
-              </a:solidFill>
-              <a:latin typeface="Raleway" pitchFamily="2" charset="0"/>
-            </a:endParaRPr>
-          </a:p>
-        </p:txBody>
-      </p:sp>
-      <p:sp>
-        <p:nvSpPr>
-          <p:cNvPr id="9" name="Text Placeholder 5">
-            <a:extLst>
-              <a:ext uri="{FF2B5EF4-FFF2-40B4-BE49-F238E27FC236}">
-                <a16:creationId xmlns:a16="http://schemas.microsoft.com/office/drawing/2014/main" id="{9F62FBFA-0709-9C5A-02A5-3B6878644BF2}"/>
-              </a:ext>
-            </a:extLst>
-          </p:cNvPr>
-          <p:cNvSpPr txBox="1">
-            <a:spLocks/>
-          </p:cNvSpPr>
-          <p:nvPr/>
-        </p:nvSpPr>
-        <p:spPr>
-          <a:xfrm>
-            <a:off x="8247130" y="4057309"/>
-            <a:ext cx="2880000" cy="378690"/>
-          </a:xfrm>
-          <a:prstGeom prst="rect">
-            <a:avLst/>
-          </a:prstGeom>
-        </p:spPr>
-        <p:txBody>
-          <a:bodyPr>
-            <a:normAutofit/>
-          </a:bodyPr>
-          <a:lstStyle>
-            <a:lvl1pPr marL="228600" indent="-228600" algn="l" defTabSz="914400" rtl="0" eaLnBrk="1" latinLnBrk="0" hangingPunct="1">
-              <a:lnSpc>
-                <a:spcPct val="90000"/>
-              </a:lnSpc>
-              <a:spcBef>
-                <a:spcPts val="1000"/>
-              </a:spcBef>
-              <a:buFont typeface="Arial" panose="020B0604020202020204" pitchFamily="34" charset="0"/>
-              <a:buChar char="•"/>
-              <a:defRPr sz="2800" kern="1200">
-                <a:solidFill>
-                  <a:schemeClr val="tx1"/>
-                </a:solidFill>
-                <a:latin typeface="+mn-lt"/>
-                <a:ea typeface="+mn-ea"/>
-                <a:cs typeface="+mn-cs"/>
-              </a:defRPr>
-            </a:lvl1pPr>
-            <a:lvl2pPr marL="685800" indent="-228600" algn="l" defTabSz="914400" rtl="0" eaLnBrk="1" latinLnBrk="0" hangingPunct="1">
-              <a:lnSpc>
-                <a:spcPct val="90000"/>
-              </a:lnSpc>
-              <a:spcBef>
-                <a:spcPts val="500"/>
-              </a:spcBef>
-              <a:buFont typeface="Arial" panose="020B0604020202020204" pitchFamily="34" charset="0"/>
-              <a:buChar char="•"/>
-              <a:defRPr sz="2400" kern="1200">
-                <a:solidFill>
-                  <a:schemeClr val="tx1"/>
-                </a:solidFill>
-                <a:latin typeface="+mn-lt"/>
-                <a:ea typeface="+mn-ea"/>
-                <a:cs typeface="+mn-cs"/>
-              </a:defRPr>
-            </a:lvl2pPr>
-            <a:lvl3pPr marL="1143000" indent="-228600" algn="l" defTabSz="914400" rtl="0" eaLnBrk="1" latinLnBrk="0" hangingPunct="1">
-              <a:lnSpc>
-                <a:spcPct val="90000"/>
-              </a:lnSpc>
-              <a:spcBef>
-                <a:spcPts val="500"/>
-              </a:spcBef>
-              <a:buFont typeface="Arial" panose="020B0604020202020204" pitchFamily="34" charset="0"/>
-              <a:buChar char="•"/>
-              <a:defRPr sz="2000" kern="1200">
-                <a:solidFill>
-                  <a:schemeClr val="tx1"/>
-                </a:solidFill>
-                <a:latin typeface="+mn-lt"/>
-                <a:ea typeface="+mn-ea"/>
-                <a:cs typeface="+mn-cs"/>
-              </a:defRPr>
-            </a:lvl3pPr>
-            <a:lvl4pPr marL="1600200" indent="-228600" algn="l" defTabSz="914400" rtl="0" eaLnBrk="1" latinLnBrk="0" hangingPunct="1">
-              <a:lnSpc>
-                <a:spcPct val="90000"/>
-              </a:lnSpc>
-              <a:spcBef>
-                <a:spcPts val="500"/>
-              </a:spcBef>
-              <a:buFont typeface="Arial" panose="020B0604020202020204" pitchFamily="34" charset="0"/>
-              <a:buChar char="•"/>
-              <a:defRPr sz="1800" kern="1200">
-                <a:solidFill>
-                  <a:schemeClr val="tx1"/>
-                </a:solidFill>
-                <a:latin typeface="+mn-lt"/>
-                <a:ea typeface="+mn-ea"/>
-                <a:cs typeface="+mn-cs"/>
-              </a:defRPr>
-            </a:lvl4pPr>
-            <a:lvl5pPr marL="2057400" indent="-228600" algn="l" defTabSz="914400" rtl="0" eaLnBrk="1" latinLnBrk="0" hangingPunct="1">
-              <a:lnSpc>
-                <a:spcPct val="90000"/>
-              </a:lnSpc>
-              <a:spcBef>
-                <a:spcPts val="500"/>
-              </a:spcBef>
-              <a:buFont typeface="Arial" panose="020B0604020202020204" pitchFamily="34" charset="0"/>
-              <a:buChar char="•"/>
-              <a:defRPr sz="1800" kern="1200">
-                <a:solidFill>
-                  <a:schemeClr val="tx1"/>
-                </a:solidFill>
-                <a:latin typeface="+mn-lt"/>
-                <a:ea typeface="+mn-ea"/>
-                <a:cs typeface="+mn-cs"/>
-              </a:defRPr>
-            </a:lvl5pPr>
-            <a:lvl6pPr marL="2514600" indent="-228600" algn="l" defTabSz="914400" rtl="0" eaLnBrk="1" latinLnBrk="0" hangingPunct="1">
-              <a:lnSpc>
-                <a:spcPct val="90000"/>
-              </a:lnSpc>
-              <a:spcBef>
-                <a:spcPts val="500"/>
-              </a:spcBef>
-              <a:buFont typeface="Arial" panose="020B0604020202020204" pitchFamily="34" charset="0"/>
-              <a:buChar char="•"/>
-              <a:defRPr sz="1800" kern="1200">
-                <a:solidFill>
-                  <a:schemeClr val="tx1"/>
-                </a:solidFill>
-                <a:latin typeface="+mn-lt"/>
-                <a:ea typeface="+mn-ea"/>
-                <a:cs typeface="+mn-cs"/>
-              </a:defRPr>
-            </a:lvl6pPr>
-            <a:lvl7pPr marL="2971800" indent="-228600" algn="l" defTabSz="914400" rtl="0" eaLnBrk="1" latinLnBrk="0" hangingPunct="1">
-              <a:lnSpc>
-                <a:spcPct val="90000"/>
-              </a:lnSpc>
-              <a:spcBef>
-                <a:spcPts val="500"/>
-              </a:spcBef>
-              <a:buFont typeface="Arial" panose="020B0604020202020204" pitchFamily="34" charset="0"/>
-              <a:buChar char="•"/>
-              <a:defRPr sz="1800" kern="1200">
-                <a:solidFill>
-                  <a:schemeClr val="tx1"/>
-                </a:solidFill>
-                <a:latin typeface="+mn-lt"/>
-                <a:ea typeface="+mn-ea"/>
-                <a:cs typeface="+mn-cs"/>
-              </a:defRPr>
-            </a:lvl7pPr>
-            <a:lvl8pPr marL="3429000" indent="-228600" algn="l" defTabSz="914400" rtl="0" eaLnBrk="1" latinLnBrk="0" hangingPunct="1">
-              <a:lnSpc>
-                <a:spcPct val="90000"/>
-              </a:lnSpc>
-              <a:spcBef>
-                <a:spcPts val="500"/>
-              </a:spcBef>
-              <a:buFont typeface="Arial" panose="020B0604020202020204" pitchFamily="34" charset="0"/>
-              <a:buChar char="•"/>
-              <a:defRPr sz="1800" kern="1200">
-                <a:solidFill>
-                  <a:schemeClr val="tx1"/>
-                </a:solidFill>
-                <a:latin typeface="+mn-lt"/>
-                <a:ea typeface="+mn-ea"/>
-                <a:cs typeface="+mn-cs"/>
-              </a:defRPr>
-            </a:lvl8pPr>
-            <a:lvl9pPr marL="3886200" indent="-228600" algn="l" defTabSz="914400" rtl="0" eaLnBrk="1" latinLnBrk="0" hangingPunct="1">
-              <a:lnSpc>
-                <a:spcPct val="90000"/>
-              </a:lnSpc>
-              <a:spcBef>
-                <a:spcPts val="500"/>
-              </a:spcBef>
-              <a:buFont typeface="Arial" panose="020B0604020202020204" pitchFamily="34" charset="0"/>
-              <a:buChar char="•"/>
-              <a:defRPr sz="1800" kern="1200">
-                <a:solidFill>
-                  <a:schemeClr val="tx1"/>
-                </a:solidFill>
-                <a:latin typeface="+mn-lt"/>
-                <a:ea typeface="+mn-ea"/>
-                <a:cs typeface="+mn-cs"/>
-              </a:defRPr>
-            </a:lvl9pPr>
-          </a:lstStyle>
-          <a:p>
-            <a:pPr marL="0" indent="0" algn="ctr">
-              <a:buNone/>
-            </a:pPr>
-            <a:r>
-              <a:rPr lang="en-US" sz="2000" b="1" dirty="0">
-                <a:solidFill>
-                  <a:schemeClr val="tx2"/>
-                </a:solidFill>
-                <a:latin typeface="Raleway" pitchFamily="2" charset="0"/>
-              </a:rPr>
-              <a:t>3. Deployment</a:t>
-            </a:r>
-            <a:endParaRPr lang="en-PH" sz="2000" b="1" dirty="0">
-              <a:solidFill>
-                <a:schemeClr val="tx2"/>
-              </a:solidFill>
-              <a:latin typeface="Raleway" pitchFamily="2" charset="0"/>
-            </a:endParaRPr>
-          </a:p>
-        </p:txBody>
-      </p:sp>
-      <p:pic>
-        <p:nvPicPr>
-          <p:cNvPr id="10" name="Picture 2" descr="white printing paper with numbers">
-            <a:extLst>
-              <a:ext uri="{FF2B5EF4-FFF2-40B4-BE49-F238E27FC236}">
-                <a16:creationId xmlns:a16="http://schemas.microsoft.com/office/drawing/2014/main" id="{12F5C1D0-DA21-C1D1-4184-6B467BD4ADDD}"/>
-              </a:ext>
-            </a:extLst>
-          </p:cNvPr>
-          <p:cNvPicPr>
-            <a:picLocks noChangeAspect="1" noChangeArrowheads="1"/>
-          </p:cNvPicPr>
-          <p:nvPr/>
-        </p:nvPicPr>
-        <p:blipFill rotWithShape="1">
-          <a:blip r:embed="rId3">
-            <a:extLst>
-              <a:ext uri="{28A0092B-C50C-407E-A947-70E740481C1C}">
-                <a14:useLocalDpi xmlns:a14="http://schemas.microsoft.com/office/drawing/2010/main" val="0"/>
-              </a:ext>
-            </a:extLst>
-          </a:blip>
-          <a:srcRect b="25665"/>
-          <a:stretch/>
-        </p:blipFill>
-        <p:spPr bwMode="auto">
-          <a:xfrm>
-            <a:off x="899932" y="2583764"/>
-            <a:ext cx="2880000" cy="1430095"/>
-          </a:xfrm>
-          <a:prstGeom prst="roundRect">
-            <a:avLst/>
-          </a:prstGeom>
-          <a:noFill/>
-          <a:extLst>
-            <a:ext uri="{909E8E84-426E-40DD-AFC4-6F175D3DCCD1}">
-              <a14:hiddenFill xmlns:a14="http://schemas.microsoft.com/office/drawing/2010/main">
-                <a:solidFill>
-                  <a:srgbClr val="FFFFFF"/>
-                </a:solidFill>
-              </a14:hiddenFill>
-            </a:ext>
-          </a:extLst>
-        </p:spPr>
-      </p:pic>
-      <p:pic>
-        <p:nvPicPr>
-          <p:cNvPr id="11" name="Picture 4" descr="worm's eye-view photography of ceiling">
-            <a:extLst>
-              <a:ext uri="{FF2B5EF4-FFF2-40B4-BE49-F238E27FC236}">
-                <a16:creationId xmlns:a16="http://schemas.microsoft.com/office/drawing/2014/main" id="{50763776-9D0D-7BC9-1A3C-F3B9D43A23CF}"/>
-              </a:ext>
-            </a:extLst>
-          </p:cNvPr>
-          <p:cNvPicPr>
-            <a:picLocks noChangeAspect="1" noChangeArrowheads="1"/>
-          </p:cNvPicPr>
-          <p:nvPr/>
-        </p:nvPicPr>
-        <p:blipFill rotWithShape="1">
-          <a:blip r:embed="rId4">
-            <a:extLst>
-              <a:ext uri="{28A0092B-C50C-407E-A947-70E740481C1C}">
-                <a14:useLocalDpi xmlns:a14="http://schemas.microsoft.com/office/drawing/2010/main" val="0"/>
-              </a:ext>
-            </a:extLst>
-          </a:blip>
-          <a:srcRect t="25665"/>
-          <a:stretch/>
-        </p:blipFill>
-        <p:spPr bwMode="auto">
-          <a:xfrm>
-            <a:off x="4573531" y="2583764"/>
-            <a:ext cx="2880000" cy="1430095"/>
-          </a:xfrm>
-          <a:prstGeom prst="roundRect">
-            <a:avLst/>
-          </a:prstGeom>
-          <a:noFill/>
-          <a:extLst>
-            <a:ext uri="{909E8E84-426E-40DD-AFC4-6F175D3DCCD1}">
-              <a14:hiddenFill xmlns:a14="http://schemas.microsoft.com/office/drawing/2010/main">
-                <a:solidFill>
-                  <a:srgbClr val="FFFFFF"/>
-                </a:solidFill>
-              </a14:hiddenFill>
-            </a:ext>
-          </a:extLst>
-        </p:spPr>
-      </p:pic>
-      <p:pic>
-        <p:nvPicPr>
-          <p:cNvPr id="12" name="Picture 6" descr="shallow focus photography of computer codes">
-            <a:extLst>
-              <a:ext uri="{FF2B5EF4-FFF2-40B4-BE49-F238E27FC236}">
-                <a16:creationId xmlns:a16="http://schemas.microsoft.com/office/drawing/2014/main" id="{3A9E35F2-D1C3-937D-F799-935F8D035150}"/>
-              </a:ext>
-            </a:extLst>
-          </p:cNvPr>
-          <p:cNvPicPr>
-            <a:picLocks noChangeAspect="1" noChangeArrowheads="1"/>
-          </p:cNvPicPr>
-          <p:nvPr/>
-        </p:nvPicPr>
-        <p:blipFill rotWithShape="1">
-          <a:blip r:embed="rId5">
-            <a:extLst>
-              <a:ext uri="{28A0092B-C50C-407E-A947-70E740481C1C}">
-                <a14:useLocalDpi xmlns:a14="http://schemas.microsoft.com/office/drawing/2010/main" val="0"/>
-              </a:ext>
-            </a:extLst>
-          </a:blip>
-          <a:srcRect t="25252"/>
-          <a:stretch/>
-        </p:blipFill>
-        <p:spPr bwMode="auto">
-          <a:xfrm>
-            <a:off x="8247130" y="2583763"/>
-            <a:ext cx="2880000" cy="1435883"/>
-          </a:xfrm>
-          <a:prstGeom prst="roundRect">
-            <a:avLst/>
-          </a:prstGeom>
-          <a:noFill/>
-          <a:extLst>
-            <a:ext uri="{909E8E84-426E-40DD-AFC4-6F175D3DCCD1}">
-              <a14:hiddenFill xmlns:a14="http://schemas.microsoft.com/office/drawing/2010/main">
-                <a:solidFill>
-                  <a:srgbClr val="FFFFFF"/>
-                </a:solidFill>
-              </a14:hiddenFill>
-            </a:ext>
-          </a:extLst>
-        </p:spPr>
-      </p:pic>
-      <p:sp>
-        <p:nvSpPr>
-          <p:cNvPr id="14" name="Circle: Hollow 13">
-            <a:extLst>
-              <a:ext uri="{FF2B5EF4-FFF2-40B4-BE49-F238E27FC236}">
-                <a16:creationId xmlns:a16="http://schemas.microsoft.com/office/drawing/2014/main" id="{A665E7AF-7FE7-EDD2-2A46-7AF3BF0D2386}"/>
-              </a:ext>
-            </a:extLst>
-          </p:cNvPr>
-          <p:cNvSpPr/>
-          <p:nvPr/>
-        </p:nvSpPr>
-        <p:spPr>
-          <a:xfrm>
-            <a:off x="11246069" y="5826673"/>
-            <a:ext cx="1545020" cy="1545020"/>
-          </a:xfrm>
-          <a:prstGeom prst="donut">
-            <a:avLst/>
-          </a:prstGeom>
-          <a:solidFill>
-            <a:srgbClr val="1B48AB"/>
-          </a:solidFill>
-          <a:ln>
-            <a:noFill/>
-          </a:ln>
-        </p:spPr>
-        <p:style>
-          <a:lnRef idx="2">
-            <a:schemeClr val="accent1">
-              <a:shade val="50000"/>
-            </a:schemeClr>
-          </a:lnRef>
-          <a:fillRef idx="1">
-            <a:schemeClr val="accent1"/>
-          </a:fillRef>
-          <a:effectRef idx="0">
-            <a:schemeClr val="accent1"/>
-          </a:effectRef>
-          <a:fontRef idx="minor">
-            <a:schemeClr val="lt1"/>
-          </a:fontRef>
-        </p:style>
-        <p:txBody>
-          <a:bodyPr rtlCol="0" anchor="ctr"/>
-          <a:lstStyle/>
-          <a:p>
-            <a:pPr algn="ctr"/>
-            <a:endParaRPr lang="en-PH">
-              <a:solidFill>
-                <a:schemeClr val="tx1"/>
-              </a:solidFill>
-            </a:endParaRPr>
-          </a:p>
-        </p:txBody>
-      </p:sp>
-      <p:sp>
-        <p:nvSpPr>
-          <p:cNvPr id="15" name="Circle: Hollow 14">
-            <a:extLst>
-              <a:ext uri="{FF2B5EF4-FFF2-40B4-BE49-F238E27FC236}">
-                <a16:creationId xmlns:a16="http://schemas.microsoft.com/office/drawing/2014/main" id="{37CBF670-D62E-CE7B-D033-AD390FB88146}"/>
-              </a:ext>
-            </a:extLst>
-          </p:cNvPr>
-          <p:cNvSpPr/>
-          <p:nvPr/>
-        </p:nvSpPr>
-        <p:spPr>
-          <a:xfrm>
-            <a:off x="2349061" y="6319344"/>
-            <a:ext cx="1077311" cy="1077311"/>
-          </a:xfrm>
-          <a:prstGeom prst="donut">
-            <a:avLst/>
-          </a:prstGeom>
-          <a:solidFill>
-            <a:srgbClr val="0F1E54"/>
-          </a:solidFill>
-          <a:ln>
-            <a:noFill/>
-          </a:ln>
-        </p:spPr>
-        <p:style>
-          <a:lnRef idx="2">
-            <a:schemeClr val="accent1">
-              <a:shade val="50000"/>
-            </a:schemeClr>
-          </a:lnRef>
-          <a:fillRef idx="1">
-            <a:schemeClr val="accent1"/>
-          </a:fillRef>
-          <a:effectRef idx="0">
-            <a:schemeClr val="accent1"/>
-          </a:effectRef>
-          <a:fontRef idx="minor">
-            <a:schemeClr val="lt1"/>
-          </a:fontRef>
-        </p:style>
-        <p:txBody>
-          <a:bodyPr rtlCol="0" anchor="ctr"/>
-          <a:lstStyle/>
-          <a:p>
-            <a:pPr algn="ctr"/>
-            <a:endParaRPr lang="en-PH">
-              <a:solidFill>
-                <a:schemeClr val="tx1"/>
-              </a:solidFill>
-            </a:endParaRPr>
-          </a:p>
-        </p:txBody>
-      </p:sp>
-      <p:sp>
-        <p:nvSpPr>
-          <p:cNvPr id="16" name="Circle: Hollow 15">
-            <a:extLst>
-              <a:ext uri="{FF2B5EF4-FFF2-40B4-BE49-F238E27FC236}">
-                <a16:creationId xmlns:a16="http://schemas.microsoft.com/office/drawing/2014/main" id="{FF32232F-2341-B81F-74E0-3AA75C230DAF}"/>
-              </a:ext>
-            </a:extLst>
-          </p:cNvPr>
-          <p:cNvSpPr/>
-          <p:nvPr/>
-        </p:nvSpPr>
-        <p:spPr>
-          <a:xfrm>
-            <a:off x="388882" y="-675291"/>
-            <a:ext cx="1545021" cy="1545021"/>
-          </a:xfrm>
-          <a:prstGeom prst="donut">
-            <a:avLst/>
-          </a:prstGeom>
-          <a:solidFill>
-            <a:schemeClr val="tx2"/>
-          </a:solidFill>
-          <a:ln>
-            <a:noFill/>
-          </a:ln>
-        </p:spPr>
-        <p:style>
-          <a:lnRef idx="2">
-            <a:schemeClr val="accent1">
-              <a:shade val="50000"/>
-            </a:schemeClr>
-          </a:lnRef>
-          <a:fillRef idx="1">
-            <a:schemeClr val="accent1"/>
-          </a:fillRef>
-          <a:effectRef idx="0">
-            <a:schemeClr val="accent1"/>
-          </a:effectRef>
-          <a:fontRef idx="minor">
-            <a:schemeClr val="lt1"/>
-          </a:fontRef>
-        </p:style>
-        <p:txBody>
-          <a:bodyPr rtlCol="0" anchor="ctr"/>
-          <a:lstStyle/>
-          <a:p>
-            <a:pPr algn="ctr"/>
-            <a:endParaRPr lang="en-PH">
-              <a:solidFill>
-                <a:schemeClr val="tx1"/>
-              </a:solidFill>
-            </a:endParaRPr>
-          </a:p>
-        </p:txBody>
-      </p:sp>
-      <p:sp>
-        <p:nvSpPr>
-          <p:cNvPr id="17" name="Circle: Hollow 16">
-            <a:extLst>
-              <a:ext uri="{FF2B5EF4-FFF2-40B4-BE49-F238E27FC236}">
-                <a16:creationId xmlns:a16="http://schemas.microsoft.com/office/drawing/2014/main" id="{684AAFFC-201C-6C72-58A4-1CC697B08F83}"/>
-              </a:ext>
-            </a:extLst>
-          </p:cNvPr>
-          <p:cNvSpPr/>
-          <p:nvPr/>
-        </p:nvSpPr>
-        <p:spPr>
-          <a:xfrm>
-            <a:off x="-688428" y="5979073"/>
-            <a:ext cx="1545020" cy="1545020"/>
-          </a:xfrm>
-          <a:prstGeom prst="donut">
-            <a:avLst/>
-          </a:prstGeom>
-          <a:solidFill>
-            <a:srgbClr val="1B48AB"/>
-          </a:solidFill>
-          <a:ln>
-            <a:noFill/>
-          </a:ln>
-        </p:spPr>
-        <p:style>
-          <a:lnRef idx="2">
-            <a:schemeClr val="accent1">
-              <a:shade val="50000"/>
-            </a:schemeClr>
-          </a:lnRef>
-          <a:fillRef idx="1">
-            <a:schemeClr val="accent1"/>
-          </a:fillRef>
-          <a:effectRef idx="0">
-            <a:schemeClr val="accent1"/>
-          </a:effectRef>
-          <a:fontRef idx="minor">
-            <a:schemeClr val="lt1"/>
-          </a:fontRef>
-        </p:style>
-        <p:txBody>
-          <a:bodyPr rtlCol="0" anchor="ctr"/>
-          <a:lstStyle/>
-          <a:p>
-            <a:pPr algn="ctr"/>
-            <a:endParaRPr lang="en-PH">
-              <a:solidFill>
-                <a:schemeClr val="tx1"/>
-              </a:solidFill>
-            </a:endParaRPr>
-          </a:p>
-        </p:txBody>
-      </p:sp>
-      <p:sp>
-        <p:nvSpPr>
-          <p:cNvPr id="18" name="Circle: Hollow 17">
-            <a:extLst>
-              <a:ext uri="{FF2B5EF4-FFF2-40B4-BE49-F238E27FC236}">
-                <a16:creationId xmlns:a16="http://schemas.microsoft.com/office/drawing/2014/main" id="{D7833FBE-83C9-40B1-98C3-5371E2ED819D}"/>
-              </a:ext>
-            </a:extLst>
-          </p:cNvPr>
-          <p:cNvSpPr/>
-          <p:nvPr/>
-        </p:nvSpPr>
-        <p:spPr>
-          <a:xfrm>
-            <a:off x="-480192" y="4866290"/>
-            <a:ext cx="960383" cy="960383"/>
-          </a:xfrm>
-          <a:prstGeom prst="donut">
-            <a:avLst/>
-          </a:prstGeom>
-          <a:solidFill>
-            <a:schemeClr val="tx2"/>
-          </a:solidFill>
-          <a:ln>
-            <a:noFill/>
-          </a:ln>
-        </p:spPr>
-        <p:style>
-          <a:lnRef idx="2">
-            <a:schemeClr val="accent1">
-              <a:shade val="50000"/>
-            </a:schemeClr>
-          </a:lnRef>
-          <a:fillRef idx="1">
-            <a:schemeClr val="accent1"/>
-          </a:fillRef>
-          <a:effectRef idx="0">
-            <a:schemeClr val="accent1"/>
-          </a:effectRef>
-          <a:fontRef idx="minor">
-            <a:schemeClr val="lt1"/>
-          </a:fontRef>
-        </p:style>
-        <p:txBody>
-          <a:bodyPr rtlCol="0" anchor="ctr"/>
-          <a:lstStyle/>
-          <a:p>
-            <a:pPr algn="ctr"/>
-            <a:endParaRPr lang="en-PH">
-              <a:solidFill>
-                <a:schemeClr val="tx1"/>
-              </a:solidFill>
-            </a:endParaRPr>
-          </a:p>
-        </p:txBody>
-      </p:sp>
-      <p:sp>
-        <p:nvSpPr>
-          <p:cNvPr id="19" name="Circle: Hollow 18">
-            <a:extLst>
-              <a:ext uri="{FF2B5EF4-FFF2-40B4-BE49-F238E27FC236}">
-                <a16:creationId xmlns:a16="http://schemas.microsoft.com/office/drawing/2014/main" id="{E028B89E-A4DC-870C-E0EF-15FCC720D5C2}"/>
-              </a:ext>
-            </a:extLst>
-          </p:cNvPr>
-          <p:cNvSpPr/>
-          <p:nvPr/>
-        </p:nvSpPr>
-        <p:spPr>
-          <a:xfrm>
-            <a:off x="11479923" y="4621923"/>
-            <a:ext cx="1077311" cy="1077311"/>
-          </a:xfrm>
-          <a:prstGeom prst="donut">
-            <a:avLst/>
-          </a:prstGeom>
-          <a:solidFill>
-            <a:srgbClr val="0F1E54"/>
-          </a:solidFill>
-          <a:ln>
-            <a:noFill/>
-          </a:ln>
-        </p:spPr>
-        <p:style>
-          <a:lnRef idx="2">
-            <a:schemeClr val="accent1">
-              <a:shade val="50000"/>
-            </a:schemeClr>
-          </a:lnRef>
-          <a:fillRef idx="1">
-            <a:schemeClr val="accent1"/>
-          </a:fillRef>
-          <a:effectRef idx="0">
-            <a:schemeClr val="accent1"/>
-          </a:effectRef>
-          <a:fontRef idx="minor">
-            <a:schemeClr val="lt1"/>
-          </a:fontRef>
-        </p:style>
-        <p:txBody>
-          <a:bodyPr rtlCol="0" anchor="ctr"/>
-          <a:lstStyle/>
-          <a:p>
-            <a:pPr algn="ctr"/>
-            <a:endParaRPr lang="en-PH">
-              <a:solidFill>
-                <a:schemeClr val="tx1"/>
-              </a:solidFill>
-            </a:endParaRPr>
-          </a:p>
-        </p:txBody>
-      </p:sp>
-      <p:sp>
-        <p:nvSpPr>
-          <p:cNvPr id="20" name="Circle: Hollow 19">
-            <a:extLst>
-              <a:ext uri="{FF2B5EF4-FFF2-40B4-BE49-F238E27FC236}">
-                <a16:creationId xmlns:a16="http://schemas.microsoft.com/office/drawing/2014/main" id="{4DA743CE-7E07-B15C-887F-FEA013D8C39D}"/>
-              </a:ext>
-            </a:extLst>
-          </p:cNvPr>
-          <p:cNvSpPr/>
-          <p:nvPr/>
-        </p:nvSpPr>
-        <p:spPr>
-          <a:xfrm>
-            <a:off x="-303514" y="1564078"/>
-            <a:ext cx="1077311" cy="1077311"/>
-          </a:xfrm>
-          <a:prstGeom prst="donut">
-            <a:avLst/>
-          </a:prstGeom>
-          <a:solidFill>
-            <a:srgbClr val="0F1E54"/>
-          </a:solidFill>
-          <a:ln>
-            <a:noFill/>
-          </a:ln>
-        </p:spPr>
-        <p:style>
-          <a:lnRef idx="2">
-            <a:schemeClr val="accent1">
-              <a:shade val="50000"/>
-            </a:schemeClr>
-          </a:lnRef>
-          <a:fillRef idx="1">
-            <a:schemeClr val="accent1"/>
-          </a:fillRef>
-          <a:effectRef idx="0">
-            <a:schemeClr val="accent1"/>
-          </a:effectRef>
-          <a:fontRef idx="minor">
-            <a:schemeClr val="lt1"/>
-          </a:fontRef>
-        </p:style>
-        <p:txBody>
-          <a:bodyPr rtlCol="0" anchor="ctr"/>
-          <a:lstStyle/>
-          <a:p>
-            <a:pPr algn="ctr"/>
-            <a:endParaRPr lang="en-PH">
-              <a:solidFill>
-                <a:schemeClr val="tx1"/>
-              </a:solidFill>
-            </a:endParaRPr>
-          </a:p>
-        </p:txBody>
-      </p:sp>
-      <p:sp>
-        <p:nvSpPr>
-          <p:cNvPr id="21" name="Circle: Hollow 20">
-            <a:extLst>
-              <a:ext uri="{FF2B5EF4-FFF2-40B4-BE49-F238E27FC236}">
-                <a16:creationId xmlns:a16="http://schemas.microsoft.com/office/drawing/2014/main" id="{4090D21C-6DC9-EB02-5966-E415051F9846}"/>
-              </a:ext>
-            </a:extLst>
-          </p:cNvPr>
-          <p:cNvSpPr/>
-          <p:nvPr/>
-        </p:nvSpPr>
-        <p:spPr>
-          <a:xfrm>
-            <a:off x="10166487" y="5979073"/>
-            <a:ext cx="960383" cy="960383"/>
-          </a:xfrm>
-          <a:prstGeom prst="donut">
-            <a:avLst/>
-          </a:prstGeom>
-          <a:solidFill>
-            <a:schemeClr val="tx2"/>
-          </a:solidFill>
-          <a:ln>
-            <a:noFill/>
-          </a:ln>
-        </p:spPr>
-        <p:style>
-          <a:lnRef idx="2">
-            <a:schemeClr val="accent1">
-              <a:shade val="50000"/>
-            </a:schemeClr>
-          </a:lnRef>
-          <a:fillRef idx="1">
-            <a:schemeClr val="accent1"/>
-          </a:fillRef>
-          <a:effectRef idx="0">
-            <a:schemeClr val="accent1"/>
-          </a:effectRef>
-          <a:fontRef idx="minor">
-            <a:schemeClr val="lt1"/>
-          </a:fontRef>
-        </p:style>
-        <p:txBody>
-          <a:bodyPr rtlCol="0" anchor="ctr"/>
-          <a:lstStyle/>
-          <a:p>
-            <a:pPr algn="ctr"/>
-            <a:endParaRPr lang="en-PH">
-              <a:solidFill>
-                <a:schemeClr val="tx1"/>
-              </a:solidFill>
-            </a:endParaRPr>
-          </a:p>
-        </p:txBody>
-      </p:sp>
-    </p:spTree>
-    <p:extLst>
-      <p:ext uri="{BB962C8B-B14F-4D97-AF65-F5344CB8AC3E}">
-        <p14:creationId xmlns:p14="http://schemas.microsoft.com/office/powerpoint/2010/main" val="4101946276"/>
-      </p:ext>
-    </p:extLst>
-  </p:cSld>
-  <p:clrMapOvr>
-    <a:masterClrMapping/>
-  </p:clrMapOvr>
-  <mc:AlternateContent xmlns:mc="http://schemas.openxmlformats.org/markup-compatibility/2006">
-    <mc:Choice xmlns:p159="http://schemas.microsoft.com/office/powerpoint/2015/09/main" Requires="p159">
-      <p:transition xmlns:p14="http://schemas.microsoft.com/office/powerpoint/2010/main" spd="slow" p14:dur="2000">
-        <p159:morph option="byObject"/>
-      </p:transition>
-    </mc:Choice>
-    <mc:Fallback>
-      <p:transition spd="slow">
-        <p:fade/>
-      </p:transition>
-    </mc:Fallback>
-  </mc:AlternateContent>
-</p:sld>
-</file>
-
-<file path=ppt/slides/slide7.xml><?xml version="1.0" encoding="utf-8"?>
-<p:sld xmlns:a="http://schemas.openxmlformats.org/drawingml/2006/main" xmlns:r="http://schemas.openxmlformats.org/officeDocument/2006/relationships" xmlns:p="http://schemas.openxmlformats.org/presentationml/2006/main">
-  <p:cSld>
-    <p:bg>
-      <p:bgPr>
-        <a:blipFill dpi="0" rotWithShape="1">
-          <a:blip r:embed="rId2">
-            <a:lum/>
-          </a:blip>
-          <a:srcRect/>
-          <a:stretch>
-            <a:fillRect/>
-          </a:stretch>
-        </a:blipFill>
-        <a:effectLst/>
-      </p:bgPr>
-    </p:bg>
-    <p:spTree>
-      <p:nvGrpSpPr>
-        <p:cNvPr id="1" name=""/>
-        <p:cNvGrpSpPr/>
-        <p:nvPr/>
-      </p:nvGrpSpPr>
-      <p:grpSpPr>
-        <a:xfrm>
-          <a:off x="0" y="0"/>
-          <a:ext cx="0" cy="0"/>
-          <a:chOff x="0" y="0"/>
-          <a:chExt cx="0" cy="0"/>
-        </a:xfrm>
-      </p:grpSpPr>
-      <p:pic>
-        <p:nvPicPr>
-          <p:cNvPr id="6" name="Content Placeholder 5">
-            <a:extLst>
-              <a:ext uri="{FF2B5EF4-FFF2-40B4-BE49-F238E27FC236}">
-                <a16:creationId xmlns:a16="http://schemas.microsoft.com/office/drawing/2014/main" id="{3C1812A6-069D-4573-CC77-C484889757C6}"/>
-              </a:ext>
-            </a:extLst>
-          </p:cNvPr>
-          <p:cNvPicPr>
-            <a:picLocks noGrp="1" noChangeAspect="1"/>
-          </p:cNvPicPr>
-          <p:nvPr>
-            <p:ph idx="1"/>
-          </p:nvPr>
-        </p:nvPicPr>
-        <p:blipFill rotWithShape="1">
-          <a:blip r:embed="rId3">
-            <a:extLst>
-              <a:ext uri="{28A0092B-C50C-407E-A947-70E740481C1C}">
-                <a14:useLocalDpi xmlns:a14="http://schemas.microsoft.com/office/drawing/2010/main" val="0"/>
-              </a:ext>
-            </a:extLst>
-          </a:blip>
-          <a:srcRect t="12336" b="16776"/>
-          <a:stretch/>
-        </p:blipFill>
-        <p:spPr>
-          <a:xfrm>
-            <a:off x="7152878" y="-1"/>
-            <a:ext cx="4343399" cy="4105275"/>
-          </a:xfrm>
-        </p:spPr>
-      </p:pic>
-      <p:sp>
-        <p:nvSpPr>
-          <p:cNvPr id="9" name="Title 3">
-            <a:extLst>
-              <a:ext uri="{FF2B5EF4-FFF2-40B4-BE49-F238E27FC236}">
-                <a16:creationId xmlns:a16="http://schemas.microsoft.com/office/drawing/2014/main" id="{DBB530F5-54C5-4B00-37E9-A3CB8B0BC8DF}"/>
-              </a:ext>
-            </a:extLst>
-          </p:cNvPr>
-          <p:cNvSpPr>
-            <a:spLocks noGrp="1"/>
-          </p:cNvSpPr>
-          <p:nvPr>
-            <p:ph type="title"/>
-          </p:nvPr>
-        </p:nvSpPr>
-        <p:spPr>
-          <a:xfrm>
-            <a:off x="839789" y="466436"/>
-            <a:ext cx="5634903" cy="1916546"/>
-          </a:xfrm>
-        </p:spPr>
-        <p:txBody>
-          <a:bodyPr>
-            <a:normAutofit/>
-          </a:bodyPr>
-          <a:lstStyle/>
-          <a:p>
-            <a:r>
-              <a:rPr lang="en-US" sz="4000" dirty="0">
-                <a:solidFill>
-                  <a:schemeClr val="bg1"/>
-                </a:solidFill>
-              </a:rPr>
-              <a:t>Training Objectives</a:t>
-            </a:r>
-            <a:endParaRPr lang="en-PH" sz="4000" dirty="0">
-              <a:solidFill>
-                <a:schemeClr val="bg1"/>
-              </a:solidFill>
-            </a:endParaRPr>
-          </a:p>
-        </p:txBody>
-      </p:sp>
-      <p:sp>
-        <p:nvSpPr>
-          <p:cNvPr id="10" name="Content Placeholder 4">
-            <a:extLst>
-              <a:ext uri="{FF2B5EF4-FFF2-40B4-BE49-F238E27FC236}">
-                <a16:creationId xmlns:a16="http://schemas.microsoft.com/office/drawing/2014/main" id="{52DC8E78-4B3F-2761-97D3-1FE48F4DD617}"/>
-              </a:ext>
-            </a:extLst>
-          </p:cNvPr>
-          <p:cNvSpPr txBox="1">
-            <a:spLocks/>
-          </p:cNvSpPr>
-          <p:nvPr/>
-        </p:nvSpPr>
-        <p:spPr>
-          <a:xfrm>
-            <a:off x="1156138" y="3389742"/>
-            <a:ext cx="5929514" cy="2567713"/>
-          </a:xfrm>
-          <a:prstGeom prst="rect">
-            <a:avLst/>
-          </a:prstGeom>
-        </p:spPr>
-        <p:txBody>
-          <a:bodyPr vert="horz" lIns="91440" tIns="45720" rIns="91440" bIns="45720" rtlCol="0">
-            <a:normAutofit/>
-          </a:bodyPr>
-          <a:lstStyle>
-            <a:lvl1pPr marL="228600" indent="-228600" algn="l" defTabSz="914400" rtl="0" eaLnBrk="1" latinLnBrk="0" hangingPunct="1">
-              <a:lnSpc>
-                <a:spcPct val="90000"/>
-              </a:lnSpc>
-              <a:spcBef>
-                <a:spcPts val="1000"/>
-              </a:spcBef>
-              <a:buFont typeface="Arial" panose="020B0604020202020204" pitchFamily="34" charset="0"/>
-              <a:buChar char="•"/>
-              <a:defRPr sz="3200" kern="1200">
-                <a:solidFill>
-                  <a:schemeClr val="tx1"/>
-                </a:solidFill>
-                <a:latin typeface="+mn-lt"/>
-                <a:ea typeface="+mn-ea"/>
-                <a:cs typeface="+mn-cs"/>
-              </a:defRPr>
-            </a:lvl1pPr>
-            <a:lvl2pPr marL="685800" indent="-228600" algn="l" defTabSz="914400" rtl="0" eaLnBrk="1" latinLnBrk="0" hangingPunct="1">
-              <a:lnSpc>
-                <a:spcPct val="90000"/>
-              </a:lnSpc>
-              <a:spcBef>
-                <a:spcPts val="500"/>
-              </a:spcBef>
-              <a:buFont typeface="Arial" panose="020B0604020202020204" pitchFamily="34" charset="0"/>
-              <a:buChar char="•"/>
-              <a:defRPr sz="2800" kern="1200">
-                <a:solidFill>
-                  <a:schemeClr val="tx1"/>
-                </a:solidFill>
-                <a:latin typeface="+mn-lt"/>
-                <a:ea typeface="+mn-ea"/>
-                <a:cs typeface="+mn-cs"/>
-              </a:defRPr>
-            </a:lvl2pPr>
-            <a:lvl3pPr marL="1143000" indent="-228600" algn="l" defTabSz="914400" rtl="0" eaLnBrk="1" latinLnBrk="0" hangingPunct="1">
-              <a:lnSpc>
-                <a:spcPct val="90000"/>
-              </a:lnSpc>
-              <a:spcBef>
-                <a:spcPts val="500"/>
-              </a:spcBef>
-              <a:buFont typeface="Arial" panose="020B0604020202020204" pitchFamily="34" charset="0"/>
-              <a:buChar char="•"/>
-              <a:defRPr sz="2400" kern="1200">
-                <a:solidFill>
-                  <a:schemeClr val="tx1"/>
-                </a:solidFill>
-                <a:latin typeface="+mn-lt"/>
-                <a:ea typeface="+mn-ea"/>
-                <a:cs typeface="+mn-cs"/>
-              </a:defRPr>
-            </a:lvl3pPr>
-            <a:lvl4pPr marL="1600200" indent="-228600" algn="l" defTabSz="914400" rtl="0" eaLnBrk="1" latinLnBrk="0" hangingPunct="1">
-              <a:lnSpc>
-                <a:spcPct val="90000"/>
-              </a:lnSpc>
-              <a:spcBef>
-                <a:spcPts val="500"/>
-              </a:spcBef>
-              <a:buFont typeface="Arial" panose="020B0604020202020204" pitchFamily="34" charset="0"/>
-              <a:buChar char="•"/>
-              <a:defRPr sz="2000" kern="1200">
-                <a:solidFill>
-                  <a:schemeClr val="tx1"/>
-                </a:solidFill>
-                <a:latin typeface="+mn-lt"/>
-                <a:ea typeface="+mn-ea"/>
-                <a:cs typeface="+mn-cs"/>
-              </a:defRPr>
-            </a:lvl4pPr>
-            <a:lvl5pPr marL="2057400" indent="-228600" algn="l" defTabSz="914400" rtl="0" eaLnBrk="1" latinLnBrk="0" hangingPunct="1">
-              <a:lnSpc>
-                <a:spcPct val="90000"/>
-              </a:lnSpc>
-              <a:spcBef>
-                <a:spcPts val="500"/>
-              </a:spcBef>
-              <a:buFont typeface="Arial" panose="020B0604020202020204" pitchFamily="34" charset="0"/>
-              <a:buChar char="•"/>
-              <a:defRPr sz="2000" kern="1200">
-                <a:solidFill>
-                  <a:schemeClr val="tx1"/>
-                </a:solidFill>
-                <a:latin typeface="+mn-lt"/>
-                <a:ea typeface="+mn-ea"/>
-                <a:cs typeface="+mn-cs"/>
-              </a:defRPr>
-            </a:lvl5pPr>
-            <a:lvl6pPr marL="2514600" indent="-228600" algn="l" defTabSz="914400" rtl="0" eaLnBrk="1" latinLnBrk="0" hangingPunct="1">
-              <a:lnSpc>
-                <a:spcPct val="90000"/>
-              </a:lnSpc>
-              <a:spcBef>
-                <a:spcPts val="500"/>
-              </a:spcBef>
-              <a:buFont typeface="Arial" panose="020B0604020202020204" pitchFamily="34" charset="0"/>
-              <a:buChar char="•"/>
-              <a:defRPr sz="2000" kern="1200">
-                <a:solidFill>
-                  <a:schemeClr val="tx1"/>
-                </a:solidFill>
-                <a:latin typeface="+mn-lt"/>
-                <a:ea typeface="+mn-ea"/>
-                <a:cs typeface="+mn-cs"/>
-              </a:defRPr>
-            </a:lvl6pPr>
-            <a:lvl7pPr marL="2971800" indent="-228600" algn="l" defTabSz="914400" rtl="0" eaLnBrk="1" latinLnBrk="0" hangingPunct="1">
-              <a:lnSpc>
-                <a:spcPct val="90000"/>
-              </a:lnSpc>
-              <a:spcBef>
-                <a:spcPts val="500"/>
-              </a:spcBef>
-              <a:buFont typeface="Arial" panose="020B0604020202020204" pitchFamily="34" charset="0"/>
-              <a:buChar char="•"/>
-              <a:defRPr sz="2000" kern="1200">
-                <a:solidFill>
-                  <a:schemeClr val="tx1"/>
-                </a:solidFill>
-                <a:latin typeface="+mn-lt"/>
-                <a:ea typeface="+mn-ea"/>
-                <a:cs typeface="+mn-cs"/>
-              </a:defRPr>
-            </a:lvl7pPr>
-            <a:lvl8pPr marL="3429000" indent="-228600" algn="l" defTabSz="914400" rtl="0" eaLnBrk="1" latinLnBrk="0" hangingPunct="1">
-              <a:lnSpc>
-                <a:spcPct val="90000"/>
-              </a:lnSpc>
-              <a:spcBef>
-                <a:spcPts val="500"/>
-              </a:spcBef>
-              <a:buFont typeface="Arial" panose="020B0604020202020204" pitchFamily="34" charset="0"/>
-              <a:buChar char="•"/>
-              <a:defRPr sz="2000" kern="1200">
-                <a:solidFill>
-                  <a:schemeClr val="tx1"/>
-                </a:solidFill>
-                <a:latin typeface="+mn-lt"/>
-                <a:ea typeface="+mn-ea"/>
-                <a:cs typeface="+mn-cs"/>
-              </a:defRPr>
-            </a:lvl8pPr>
-            <a:lvl9pPr marL="3886200" indent="-228600" algn="l" defTabSz="914400" rtl="0" eaLnBrk="1" latinLnBrk="0" hangingPunct="1">
-              <a:lnSpc>
-                <a:spcPct val="90000"/>
-              </a:lnSpc>
-              <a:spcBef>
-                <a:spcPts val="500"/>
-              </a:spcBef>
-              <a:buFont typeface="Arial" panose="020B0604020202020204" pitchFamily="34" charset="0"/>
-              <a:buChar char="•"/>
-              <a:defRPr sz="2000" kern="1200">
-                <a:solidFill>
-                  <a:schemeClr val="tx1"/>
-                </a:solidFill>
-                <a:latin typeface="+mn-lt"/>
-                <a:ea typeface="+mn-ea"/>
-                <a:cs typeface="+mn-cs"/>
-              </a:defRPr>
-            </a:lvl9pPr>
-          </a:lstStyle>
-          <a:p>
-            <a:pPr marL="342900" indent="-342900">
-              <a:buFont typeface="+mj-lt"/>
-              <a:buAutoNum type="arabicPeriod"/>
-            </a:pPr>
-            <a:r>
-              <a:rPr lang="en-US" sz="1800" dirty="0">
-                <a:solidFill>
-                  <a:schemeClr val="bg1"/>
-                </a:solidFill>
-              </a:rPr>
-              <a:t>Data Preprocessing</a:t>
-            </a:r>
-          </a:p>
-          <a:p>
-            <a:pPr marL="342900" indent="-342900">
-              <a:buFont typeface="+mj-lt"/>
-              <a:buAutoNum type="arabicPeriod"/>
-            </a:pPr>
-            <a:r>
-              <a:rPr lang="en-US" sz="1800" dirty="0">
-                <a:solidFill>
-                  <a:schemeClr val="bg1"/>
-                </a:solidFill>
-              </a:rPr>
-              <a:t>Model Creation</a:t>
-            </a:r>
-          </a:p>
-          <a:p>
-            <a:pPr marL="342900" indent="-342900">
-              <a:buFont typeface="+mj-lt"/>
-              <a:buAutoNum type="arabicPeriod"/>
-            </a:pPr>
-            <a:r>
-              <a:rPr lang="en-US" sz="1800" dirty="0">
-                <a:solidFill>
-                  <a:schemeClr val="bg1"/>
-                </a:solidFill>
-              </a:rPr>
-              <a:t>Deployment</a:t>
-            </a:r>
-            <a:endParaRPr lang="en-PH" sz="1800" dirty="0">
-              <a:solidFill>
-                <a:schemeClr val="bg1"/>
-              </a:solidFill>
-            </a:endParaRPr>
-          </a:p>
-        </p:txBody>
-      </p:sp>
-      <p:sp>
-        <p:nvSpPr>
-          <p:cNvPr id="11" name="Text Placeholder 5">
-            <a:extLst>
-              <a:ext uri="{FF2B5EF4-FFF2-40B4-BE49-F238E27FC236}">
-                <a16:creationId xmlns:a16="http://schemas.microsoft.com/office/drawing/2014/main" id="{FBA17C82-2CCE-3E90-6099-61874399D78D}"/>
-              </a:ext>
-            </a:extLst>
-          </p:cNvPr>
-          <p:cNvSpPr>
-            <a:spLocks noGrp="1"/>
-          </p:cNvSpPr>
-          <p:nvPr>
-            <p:ph type="body" sz="half" idx="2"/>
-          </p:nvPr>
-        </p:nvSpPr>
-        <p:spPr>
-          <a:xfrm>
-            <a:off x="839788" y="3001813"/>
-            <a:ext cx="6245864" cy="378690"/>
-          </a:xfrm>
-        </p:spPr>
-        <p:txBody>
-          <a:bodyPr>
-            <a:normAutofit fontScale="92500"/>
-          </a:bodyPr>
-          <a:lstStyle/>
-          <a:p>
-            <a:r>
-              <a:rPr lang="en-US" sz="2000" b="1" dirty="0">
-                <a:solidFill>
-                  <a:schemeClr val="bg1"/>
-                </a:solidFill>
-                <a:latin typeface="Raleway" pitchFamily="2" charset="0"/>
-              </a:rPr>
-              <a:t>What does it take to start and deploy an ML model?</a:t>
-            </a:r>
-            <a:endParaRPr lang="en-PH" sz="2000" b="1" dirty="0">
-              <a:solidFill>
-                <a:schemeClr val="bg1"/>
-              </a:solidFill>
-              <a:latin typeface="Raleway" pitchFamily="2" charset="0"/>
-            </a:endParaRPr>
-          </a:p>
-        </p:txBody>
-      </p:sp>
-      <p:sp>
-        <p:nvSpPr>
-          <p:cNvPr id="12" name="Rectangle 11">
-            <a:extLst>
-              <a:ext uri="{FF2B5EF4-FFF2-40B4-BE49-F238E27FC236}">
-                <a16:creationId xmlns:a16="http://schemas.microsoft.com/office/drawing/2014/main" id="{5C9045A1-EBC3-8C6C-A42A-7630F911F1B8}"/>
-              </a:ext>
-            </a:extLst>
-          </p:cNvPr>
-          <p:cNvSpPr/>
-          <p:nvPr/>
-        </p:nvSpPr>
-        <p:spPr>
-          <a:xfrm>
-            <a:off x="932873" y="2646211"/>
-            <a:ext cx="1477818" cy="83128"/>
-          </a:xfrm>
-          <a:prstGeom prst="rect">
-            <a:avLst/>
-          </a:prstGeom>
-          <a:solidFill>
-            <a:schemeClr val="tx2"/>
-          </a:solidFill>
-          <a:ln>
-            <a:noFill/>
-          </a:ln>
-        </p:spPr>
-        <p:style>
-          <a:lnRef idx="2">
-            <a:schemeClr val="accent1">
-              <a:shade val="50000"/>
-            </a:schemeClr>
-          </a:lnRef>
-          <a:fillRef idx="1">
-            <a:schemeClr val="accent1"/>
-          </a:fillRef>
-          <a:effectRef idx="0">
-            <a:schemeClr val="accent1"/>
-          </a:effectRef>
-          <a:fontRef idx="minor">
-            <a:schemeClr val="lt1"/>
-          </a:fontRef>
-        </p:style>
-        <p:txBody>
-          <a:bodyPr rtlCol="0" anchor="ctr"/>
-          <a:lstStyle/>
-          <a:p>
-            <a:pPr algn="ctr"/>
-            <a:endParaRPr lang="en-PH"/>
-          </a:p>
-        </p:txBody>
-      </p:sp>
-    </p:spTree>
-    <p:extLst>
-      <p:ext uri="{BB962C8B-B14F-4D97-AF65-F5344CB8AC3E}">
-        <p14:creationId xmlns:p14="http://schemas.microsoft.com/office/powerpoint/2010/main" val="3204204479"/>
-      </p:ext>
-    </p:extLst>
-  </p:cSld>
-  <p:clrMapOvr>
-    <a:masterClrMapping/>
-  </p:clrMapOvr>
-</p:sld>
-</file>
-
-<file path=ppt/slides/slide8.xml><?xml version="1.0" encoding="utf-8"?>
-<p:sld xmlns:a="http://schemas.openxmlformats.org/drawingml/2006/main" xmlns:r="http://schemas.openxmlformats.org/officeDocument/2006/relationships" xmlns:p="http://schemas.openxmlformats.org/presentationml/2006/main">
-  <p:cSld>
-    <p:bg>
-      <p:bgPr>
-        <a:blipFill dpi="0" rotWithShape="1">
-          <a:blip r:embed="rId3">
-            <a:lum/>
-          </a:blip>
-          <a:srcRect/>
-          <a:stretch>
-            <a:fillRect/>
-          </a:stretch>
-        </a:blipFill>
-        <a:effectLst/>
-      </p:bgPr>
-    </p:bg>
-    <p:spTree>
-      <p:nvGrpSpPr>
-        <p:cNvPr id="1" name=""/>
-        <p:cNvGrpSpPr/>
-        <p:nvPr/>
-      </p:nvGrpSpPr>
-      <p:grpSpPr>
-        <a:xfrm>
-          <a:off x="0" y="0"/>
-          <a:ext cx="0" cy="0"/>
-          <a:chOff x="0" y="0"/>
-          <a:chExt cx="0" cy="0"/>
-        </a:xfrm>
-      </p:grpSpPr>
-      <p:sp>
-        <p:nvSpPr>
-          <p:cNvPr id="2" name="Title 1">
-            <a:extLst>
-              <a:ext uri="{FF2B5EF4-FFF2-40B4-BE49-F238E27FC236}">
-                <a16:creationId xmlns:a16="http://schemas.microsoft.com/office/drawing/2014/main" id="{80BEEFC6-AB98-532D-495D-316BEFFD2A95}"/>
-              </a:ext>
-            </a:extLst>
-          </p:cNvPr>
-          <p:cNvSpPr>
-            <a:spLocks noGrp="1"/>
-          </p:cNvSpPr>
-          <p:nvPr>
-            <p:ph type="title"/>
-          </p:nvPr>
-        </p:nvSpPr>
-        <p:spPr>
-          <a:xfrm>
-            <a:off x="838200" y="1933576"/>
-            <a:ext cx="10515600" cy="867498"/>
-          </a:xfrm>
-        </p:spPr>
-        <p:txBody>
-          <a:bodyPr>
-            <a:normAutofit/>
-          </a:bodyPr>
-          <a:lstStyle/>
-          <a:p>
-            <a:pPr algn="ctr"/>
-            <a:r>
-              <a:rPr lang="en-US" sz="4800" dirty="0"/>
-              <a:t>3-Step ML Model</a:t>
-            </a:r>
-            <a:endParaRPr lang="en-PH" sz="4800" dirty="0"/>
-          </a:p>
-        </p:txBody>
-      </p:sp>
-      <p:sp>
-        <p:nvSpPr>
-          <p:cNvPr id="3" name="Content Placeholder 4">
-            <a:extLst>
-              <a:ext uri="{FF2B5EF4-FFF2-40B4-BE49-F238E27FC236}">
-                <a16:creationId xmlns:a16="http://schemas.microsoft.com/office/drawing/2014/main" id="{FE852A13-FA36-5627-0DDB-D3877213CE51}"/>
-              </a:ext>
-            </a:extLst>
-          </p:cNvPr>
-          <p:cNvSpPr txBox="1">
-            <a:spLocks/>
-          </p:cNvSpPr>
-          <p:nvPr/>
-        </p:nvSpPr>
-        <p:spPr>
-          <a:xfrm>
-            <a:off x="676154" y="5149138"/>
-            <a:ext cx="4195199" cy="378690"/>
-          </a:xfrm>
-          <a:prstGeom prst="rect">
-            <a:avLst/>
-          </a:prstGeom>
-        </p:spPr>
-        <p:txBody>
-          <a:bodyPr>
-            <a:normAutofit/>
-          </a:bodyPr>
-          <a:lstStyle>
-            <a:lvl1pPr marL="228600" indent="-228600" algn="l" defTabSz="914400" rtl="0" eaLnBrk="1" latinLnBrk="0" hangingPunct="1">
-              <a:lnSpc>
-                <a:spcPct val="90000"/>
-              </a:lnSpc>
-              <a:spcBef>
-                <a:spcPts val="1000"/>
-              </a:spcBef>
-              <a:buFont typeface="Arial" panose="020B0604020202020204" pitchFamily="34" charset="0"/>
-              <a:buChar char="•"/>
-              <a:defRPr sz="2800" kern="1200">
-                <a:solidFill>
-                  <a:schemeClr val="tx1"/>
-                </a:solidFill>
-                <a:latin typeface="+mn-lt"/>
-                <a:ea typeface="+mn-ea"/>
-                <a:cs typeface="+mn-cs"/>
-              </a:defRPr>
-            </a:lvl1pPr>
-            <a:lvl2pPr marL="685800" indent="-228600" algn="l" defTabSz="914400" rtl="0" eaLnBrk="1" latinLnBrk="0" hangingPunct="1">
-              <a:lnSpc>
-                <a:spcPct val="90000"/>
-              </a:lnSpc>
-              <a:spcBef>
-                <a:spcPts val="500"/>
-              </a:spcBef>
-              <a:buFont typeface="Arial" panose="020B0604020202020204" pitchFamily="34" charset="0"/>
-              <a:buChar char="•"/>
-              <a:defRPr sz="2400" kern="1200">
-                <a:solidFill>
-                  <a:schemeClr val="tx1"/>
-                </a:solidFill>
-                <a:latin typeface="+mn-lt"/>
-                <a:ea typeface="+mn-ea"/>
-                <a:cs typeface="+mn-cs"/>
-              </a:defRPr>
-            </a:lvl2pPr>
-            <a:lvl3pPr marL="1143000" indent="-228600" algn="l" defTabSz="914400" rtl="0" eaLnBrk="1" latinLnBrk="0" hangingPunct="1">
-              <a:lnSpc>
-                <a:spcPct val="90000"/>
-              </a:lnSpc>
-              <a:spcBef>
-                <a:spcPts val="500"/>
-              </a:spcBef>
-              <a:buFont typeface="Arial" panose="020B0604020202020204" pitchFamily="34" charset="0"/>
-              <a:buChar char="•"/>
-              <a:defRPr sz="2000" kern="1200">
-                <a:solidFill>
-                  <a:schemeClr val="tx1"/>
-                </a:solidFill>
-                <a:latin typeface="+mn-lt"/>
-                <a:ea typeface="+mn-ea"/>
-                <a:cs typeface="+mn-cs"/>
-              </a:defRPr>
-            </a:lvl3pPr>
-            <a:lvl4pPr marL="1600200" indent="-228600" algn="l" defTabSz="914400" rtl="0" eaLnBrk="1" latinLnBrk="0" hangingPunct="1">
-              <a:lnSpc>
-                <a:spcPct val="90000"/>
-              </a:lnSpc>
-              <a:spcBef>
-                <a:spcPts val="500"/>
-              </a:spcBef>
-              <a:buFont typeface="Arial" panose="020B0604020202020204" pitchFamily="34" charset="0"/>
-              <a:buChar char="•"/>
-              <a:defRPr sz="1800" kern="1200">
-                <a:solidFill>
-                  <a:schemeClr val="tx1"/>
-                </a:solidFill>
-                <a:latin typeface="+mn-lt"/>
-                <a:ea typeface="+mn-ea"/>
-                <a:cs typeface="+mn-cs"/>
-              </a:defRPr>
-            </a:lvl4pPr>
-            <a:lvl5pPr marL="2057400" indent="-228600" algn="l" defTabSz="914400" rtl="0" eaLnBrk="1" latinLnBrk="0" hangingPunct="1">
-              <a:lnSpc>
-                <a:spcPct val="90000"/>
-              </a:lnSpc>
-              <a:spcBef>
-                <a:spcPts val="500"/>
-              </a:spcBef>
-              <a:buFont typeface="Arial" panose="020B0604020202020204" pitchFamily="34" charset="0"/>
-              <a:buChar char="•"/>
-              <a:defRPr sz="1800" kern="1200">
-                <a:solidFill>
-                  <a:schemeClr val="tx1"/>
-                </a:solidFill>
-                <a:latin typeface="+mn-lt"/>
-                <a:ea typeface="+mn-ea"/>
-                <a:cs typeface="+mn-cs"/>
-              </a:defRPr>
-            </a:lvl5pPr>
-            <a:lvl6pPr marL="2514600" indent="-228600" algn="l" defTabSz="914400" rtl="0" eaLnBrk="1" latinLnBrk="0" hangingPunct="1">
-              <a:lnSpc>
-                <a:spcPct val="90000"/>
-              </a:lnSpc>
-              <a:spcBef>
-                <a:spcPts val="500"/>
-              </a:spcBef>
-              <a:buFont typeface="Arial" panose="020B0604020202020204" pitchFamily="34" charset="0"/>
-              <a:buChar char="•"/>
-              <a:defRPr sz="1800" kern="1200">
-                <a:solidFill>
-                  <a:schemeClr val="tx1"/>
-                </a:solidFill>
-                <a:latin typeface="+mn-lt"/>
-                <a:ea typeface="+mn-ea"/>
-                <a:cs typeface="+mn-cs"/>
-              </a:defRPr>
-            </a:lvl6pPr>
-            <a:lvl7pPr marL="2971800" indent="-228600" algn="l" defTabSz="914400" rtl="0" eaLnBrk="1" latinLnBrk="0" hangingPunct="1">
-              <a:lnSpc>
-                <a:spcPct val="90000"/>
-              </a:lnSpc>
-              <a:spcBef>
-                <a:spcPts val="500"/>
-              </a:spcBef>
-              <a:buFont typeface="Arial" panose="020B0604020202020204" pitchFamily="34" charset="0"/>
-              <a:buChar char="•"/>
-              <a:defRPr sz="1800" kern="1200">
-                <a:solidFill>
-                  <a:schemeClr val="tx1"/>
-                </a:solidFill>
-                <a:latin typeface="+mn-lt"/>
-                <a:ea typeface="+mn-ea"/>
-                <a:cs typeface="+mn-cs"/>
-              </a:defRPr>
-            </a:lvl7pPr>
-            <a:lvl8pPr marL="3429000" indent="-228600" algn="l" defTabSz="914400" rtl="0" eaLnBrk="1" latinLnBrk="0" hangingPunct="1">
-              <a:lnSpc>
-                <a:spcPct val="90000"/>
-              </a:lnSpc>
-              <a:spcBef>
-                <a:spcPts val="500"/>
-              </a:spcBef>
-              <a:buFont typeface="Arial" panose="020B0604020202020204" pitchFamily="34" charset="0"/>
-              <a:buChar char="•"/>
-              <a:defRPr sz="1800" kern="1200">
-                <a:solidFill>
-                  <a:schemeClr val="tx1"/>
-                </a:solidFill>
-                <a:latin typeface="+mn-lt"/>
-                <a:ea typeface="+mn-ea"/>
-                <a:cs typeface="+mn-cs"/>
-              </a:defRPr>
-            </a:lvl8pPr>
-            <a:lvl9pPr marL="3886200" indent="-228600" algn="l" defTabSz="914400" rtl="0" eaLnBrk="1" latinLnBrk="0" hangingPunct="1">
-              <a:lnSpc>
-                <a:spcPct val="90000"/>
-              </a:lnSpc>
-              <a:spcBef>
-                <a:spcPts val="500"/>
-              </a:spcBef>
-              <a:buFont typeface="Arial" panose="020B0604020202020204" pitchFamily="34" charset="0"/>
-              <a:buChar char="•"/>
-              <a:defRPr sz="1800" kern="1200">
-                <a:solidFill>
-                  <a:schemeClr val="tx1"/>
-                </a:solidFill>
-                <a:latin typeface="+mn-lt"/>
-                <a:ea typeface="+mn-ea"/>
-                <a:cs typeface="+mn-cs"/>
-              </a:defRPr>
-            </a:lvl9pPr>
-          </a:lstStyle>
-          <a:p>
-            <a:pPr marL="0" indent="0">
-              <a:buNone/>
-            </a:pPr>
-            <a:r>
-              <a:rPr lang="en-US" sz="1400" i="1" dirty="0">
-                <a:solidFill>
-                  <a:schemeClr val="bg2">
-                    <a:lumMod val="25000"/>
-                  </a:schemeClr>
-                </a:solidFill>
-              </a:rPr>
-              <a:t>Test</a:t>
-            </a:r>
-            <a:endParaRPr lang="en-PH" sz="1400" i="1" dirty="0">
-              <a:solidFill>
-                <a:schemeClr val="bg2">
-                  <a:lumMod val="25000"/>
-                </a:schemeClr>
-              </a:solidFill>
-            </a:endParaRPr>
-          </a:p>
-        </p:txBody>
-      </p:sp>
-      <p:sp>
-        <p:nvSpPr>
-          <p:cNvPr id="4" name="Text Placeholder 5">
-            <a:extLst>
-              <a:ext uri="{FF2B5EF4-FFF2-40B4-BE49-F238E27FC236}">
-                <a16:creationId xmlns:a16="http://schemas.microsoft.com/office/drawing/2014/main" id="{48A1C12D-02F8-0CC0-3EE4-85DBCF1DB341}"/>
-              </a:ext>
-            </a:extLst>
-          </p:cNvPr>
-          <p:cNvSpPr txBox="1">
-            <a:spLocks/>
-          </p:cNvSpPr>
-          <p:nvPr/>
-        </p:nvSpPr>
-        <p:spPr>
-          <a:xfrm>
-            <a:off x="676154" y="4670767"/>
-            <a:ext cx="3178216" cy="378690"/>
-          </a:xfrm>
-          <a:prstGeom prst="rect">
-            <a:avLst/>
-          </a:prstGeom>
-        </p:spPr>
-        <p:txBody>
-          <a:bodyPr>
-            <a:normAutofit/>
-          </a:bodyPr>
-          <a:lstStyle>
-            <a:lvl1pPr marL="228600" indent="-228600" algn="l" defTabSz="914400" rtl="0" eaLnBrk="1" latinLnBrk="0" hangingPunct="1">
-              <a:lnSpc>
-                <a:spcPct val="90000"/>
-              </a:lnSpc>
-              <a:spcBef>
-                <a:spcPts val="1000"/>
-              </a:spcBef>
-              <a:buFont typeface="Arial" panose="020B0604020202020204" pitchFamily="34" charset="0"/>
-              <a:buChar char="•"/>
-              <a:defRPr sz="2800" kern="1200">
-                <a:solidFill>
-                  <a:schemeClr val="tx1"/>
-                </a:solidFill>
-                <a:latin typeface="+mn-lt"/>
-                <a:ea typeface="+mn-ea"/>
-                <a:cs typeface="+mn-cs"/>
-              </a:defRPr>
-            </a:lvl1pPr>
-            <a:lvl2pPr marL="685800" indent="-228600" algn="l" defTabSz="914400" rtl="0" eaLnBrk="1" latinLnBrk="0" hangingPunct="1">
-              <a:lnSpc>
-                <a:spcPct val="90000"/>
-              </a:lnSpc>
-              <a:spcBef>
-                <a:spcPts val="500"/>
-              </a:spcBef>
-              <a:buFont typeface="Arial" panose="020B0604020202020204" pitchFamily="34" charset="0"/>
-              <a:buChar char="•"/>
-              <a:defRPr sz="2400" kern="1200">
-                <a:solidFill>
-                  <a:schemeClr val="tx1"/>
-                </a:solidFill>
-                <a:latin typeface="+mn-lt"/>
-                <a:ea typeface="+mn-ea"/>
-                <a:cs typeface="+mn-cs"/>
-              </a:defRPr>
-            </a:lvl2pPr>
-            <a:lvl3pPr marL="1143000" indent="-228600" algn="l" defTabSz="914400" rtl="0" eaLnBrk="1" latinLnBrk="0" hangingPunct="1">
-              <a:lnSpc>
-                <a:spcPct val="90000"/>
-              </a:lnSpc>
-              <a:spcBef>
-                <a:spcPts val="500"/>
-              </a:spcBef>
-              <a:buFont typeface="Arial" panose="020B0604020202020204" pitchFamily="34" charset="0"/>
-              <a:buChar char="•"/>
-              <a:defRPr sz="2000" kern="1200">
-                <a:solidFill>
-                  <a:schemeClr val="tx1"/>
-                </a:solidFill>
-                <a:latin typeface="+mn-lt"/>
-                <a:ea typeface="+mn-ea"/>
-                <a:cs typeface="+mn-cs"/>
-              </a:defRPr>
-            </a:lvl3pPr>
-            <a:lvl4pPr marL="1600200" indent="-228600" algn="l" defTabSz="914400" rtl="0" eaLnBrk="1" latinLnBrk="0" hangingPunct="1">
-              <a:lnSpc>
-                <a:spcPct val="90000"/>
-              </a:lnSpc>
-              <a:spcBef>
-                <a:spcPts val="500"/>
-              </a:spcBef>
-              <a:buFont typeface="Arial" panose="020B0604020202020204" pitchFamily="34" charset="0"/>
-              <a:buChar char="•"/>
-              <a:defRPr sz="1800" kern="1200">
-                <a:solidFill>
-                  <a:schemeClr val="tx1"/>
-                </a:solidFill>
-                <a:latin typeface="+mn-lt"/>
-                <a:ea typeface="+mn-ea"/>
-                <a:cs typeface="+mn-cs"/>
-              </a:defRPr>
-            </a:lvl4pPr>
-            <a:lvl5pPr marL="2057400" indent="-228600" algn="l" defTabSz="914400" rtl="0" eaLnBrk="1" latinLnBrk="0" hangingPunct="1">
-              <a:lnSpc>
-                <a:spcPct val="90000"/>
-              </a:lnSpc>
-              <a:spcBef>
-                <a:spcPts val="500"/>
-              </a:spcBef>
-              <a:buFont typeface="Arial" panose="020B0604020202020204" pitchFamily="34" charset="0"/>
-              <a:buChar char="•"/>
-              <a:defRPr sz="1800" kern="1200">
-                <a:solidFill>
-                  <a:schemeClr val="tx1"/>
-                </a:solidFill>
-                <a:latin typeface="+mn-lt"/>
-                <a:ea typeface="+mn-ea"/>
-                <a:cs typeface="+mn-cs"/>
-              </a:defRPr>
-            </a:lvl5pPr>
-            <a:lvl6pPr marL="2514600" indent="-228600" algn="l" defTabSz="914400" rtl="0" eaLnBrk="1" latinLnBrk="0" hangingPunct="1">
-              <a:lnSpc>
-                <a:spcPct val="90000"/>
-              </a:lnSpc>
-              <a:spcBef>
-                <a:spcPts val="500"/>
-              </a:spcBef>
-              <a:buFont typeface="Arial" panose="020B0604020202020204" pitchFamily="34" charset="0"/>
-              <a:buChar char="•"/>
-              <a:defRPr sz="1800" kern="1200">
-                <a:solidFill>
-                  <a:schemeClr val="tx1"/>
-                </a:solidFill>
-                <a:latin typeface="+mn-lt"/>
-                <a:ea typeface="+mn-ea"/>
-                <a:cs typeface="+mn-cs"/>
-              </a:defRPr>
-            </a:lvl6pPr>
-            <a:lvl7pPr marL="2971800" indent="-228600" algn="l" defTabSz="914400" rtl="0" eaLnBrk="1" latinLnBrk="0" hangingPunct="1">
-              <a:lnSpc>
-                <a:spcPct val="90000"/>
-              </a:lnSpc>
-              <a:spcBef>
-                <a:spcPts val="500"/>
-              </a:spcBef>
-              <a:buFont typeface="Arial" panose="020B0604020202020204" pitchFamily="34" charset="0"/>
-              <a:buChar char="•"/>
-              <a:defRPr sz="1800" kern="1200">
-                <a:solidFill>
-                  <a:schemeClr val="tx1"/>
-                </a:solidFill>
-                <a:latin typeface="+mn-lt"/>
-                <a:ea typeface="+mn-ea"/>
-                <a:cs typeface="+mn-cs"/>
-              </a:defRPr>
-            </a:lvl7pPr>
-            <a:lvl8pPr marL="3429000" indent="-228600" algn="l" defTabSz="914400" rtl="0" eaLnBrk="1" latinLnBrk="0" hangingPunct="1">
-              <a:lnSpc>
-                <a:spcPct val="90000"/>
-              </a:lnSpc>
-              <a:spcBef>
-                <a:spcPts val="500"/>
-              </a:spcBef>
-              <a:buFont typeface="Arial" panose="020B0604020202020204" pitchFamily="34" charset="0"/>
-              <a:buChar char="•"/>
-              <a:defRPr sz="1800" kern="1200">
-                <a:solidFill>
-                  <a:schemeClr val="tx1"/>
-                </a:solidFill>
-                <a:latin typeface="+mn-lt"/>
-                <a:ea typeface="+mn-ea"/>
-                <a:cs typeface="+mn-cs"/>
-              </a:defRPr>
-            </a:lvl8pPr>
-            <a:lvl9pPr marL="3886200" indent="-228600" algn="l" defTabSz="914400" rtl="0" eaLnBrk="1" latinLnBrk="0" hangingPunct="1">
-              <a:lnSpc>
-                <a:spcPct val="90000"/>
-              </a:lnSpc>
-              <a:spcBef>
-                <a:spcPts val="500"/>
-              </a:spcBef>
-              <a:buFont typeface="Arial" panose="020B0604020202020204" pitchFamily="34" charset="0"/>
-              <a:buChar char="•"/>
-              <a:defRPr sz="1800" kern="1200">
-                <a:solidFill>
-                  <a:schemeClr val="tx1"/>
-                </a:solidFill>
-                <a:latin typeface="+mn-lt"/>
-                <a:ea typeface="+mn-ea"/>
-                <a:cs typeface="+mn-cs"/>
-              </a:defRPr>
-            </a:lvl9pPr>
-          </a:lstStyle>
-          <a:p>
-            <a:pPr marL="0" indent="0" algn="ctr">
-              <a:buNone/>
-            </a:pPr>
-            <a:r>
-              <a:rPr lang="en-US" sz="2000" b="1" dirty="0">
-                <a:solidFill>
-                  <a:schemeClr val="tx2"/>
-                </a:solidFill>
-                <a:latin typeface="Raleway" pitchFamily="2" charset="0"/>
-              </a:rPr>
-              <a:t>Data Wrangling</a:t>
-            </a:r>
-            <a:endParaRPr lang="en-PH" sz="2000" b="1" dirty="0">
-              <a:solidFill>
-                <a:schemeClr val="tx2"/>
-              </a:solidFill>
-              <a:latin typeface="Raleway" pitchFamily="2" charset="0"/>
-            </a:endParaRPr>
-          </a:p>
-        </p:txBody>
-      </p:sp>
-      <p:sp>
-        <p:nvSpPr>
-          <p:cNvPr id="5" name="Text Placeholder 5">
-            <a:extLst>
-              <a:ext uri="{FF2B5EF4-FFF2-40B4-BE49-F238E27FC236}">
-                <a16:creationId xmlns:a16="http://schemas.microsoft.com/office/drawing/2014/main" id="{FEBB2B6A-A220-D6C2-324B-BEF97D24005E}"/>
-              </a:ext>
-            </a:extLst>
-          </p:cNvPr>
-          <p:cNvSpPr txBox="1">
-            <a:spLocks/>
-          </p:cNvSpPr>
-          <p:nvPr/>
-        </p:nvSpPr>
-        <p:spPr>
-          <a:xfrm>
-            <a:off x="4104190" y="4670767"/>
-            <a:ext cx="3178216" cy="378690"/>
-          </a:xfrm>
-          <a:prstGeom prst="rect">
-            <a:avLst/>
-          </a:prstGeom>
-        </p:spPr>
-        <p:txBody>
-          <a:bodyPr>
-            <a:normAutofit/>
-          </a:bodyPr>
-          <a:lstStyle>
-            <a:lvl1pPr marL="228600" indent="-228600" algn="l" defTabSz="914400" rtl="0" eaLnBrk="1" latinLnBrk="0" hangingPunct="1">
-              <a:lnSpc>
-                <a:spcPct val="90000"/>
-              </a:lnSpc>
-              <a:spcBef>
-                <a:spcPts val="1000"/>
-              </a:spcBef>
-              <a:buFont typeface="Arial" panose="020B0604020202020204" pitchFamily="34" charset="0"/>
-              <a:buChar char="•"/>
-              <a:defRPr sz="2800" kern="1200">
-                <a:solidFill>
-                  <a:schemeClr val="tx1"/>
-                </a:solidFill>
-                <a:latin typeface="+mn-lt"/>
-                <a:ea typeface="+mn-ea"/>
-                <a:cs typeface="+mn-cs"/>
-              </a:defRPr>
-            </a:lvl1pPr>
-            <a:lvl2pPr marL="685800" indent="-228600" algn="l" defTabSz="914400" rtl="0" eaLnBrk="1" latinLnBrk="0" hangingPunct="1">
-              <a:lnSpc>
-                <a:spcPct val="90000"/>
-              </a:lnSpc>
-              <a:spcBef>
-                <a:spcPts val="500"/>
-              </a:spcBef>
-              <a:buFont typeface="Arial" panose="020B0604020202020204" pitchFamily="34" charset="0"/>
-              <a:buChar char="•"/>
-              <a:defRPr sz="2400" kern="1200">
-                <a:solidFill>
-                  <a:schemeClr val="tx1"/>
-                </a:solidFill>
-                <a:latin typeface="+mn-lt"/>
-                <a:ea typeface="+mn-ea"/>
-                <a:cs typeface="+mn-cs"/>
-              </a:defRPr>
-            </a:lvl2pPr>
-            <a:lvl3pPr marL="1143000" indent="-228600" algn="l" defTabSz="914400" rtl="0" eaLnBrk="1" latinLnBrk="0" hangingPunct="1">
-              <a:lnSpc>
-                <a:spcPct val="90000"/>
-              </a:lnSpc>
-              <a:spcBef>
-                <a:spcPts val="500"/>
-              </a:spcBef>
-              <a:buFont typeface="Arial" panose="020B0604020202020204" pitchFamily="34" charset="0"/>
-              <a:buChar char="•"/>
-              <a:defRPr sz="2000" kern="1200">
-                <a:solidFill>
-                  <a:schemeClr val="tx1"/>
-                </a:solidFill>
-                <a:latin typeface="+mn-lt"/>
-                <a:ea typeface="+mn-ea"/>
-                <a:cs typeface="+mn-cs"/>
-              </a:defRPr>
-            </a:lvl3pPr>
-            <a:lvl4pPr marL="1600200" indent="-228600" algn="l" defTabSz="914400" rtl="0" eaLnBrk="1" latinLnBrk="0" hangingPunct="1">
-              <a:lnSpc>
-                <a:spcPct val="90000"/>
-              </a:lnSpc>
-              <a:spcBef>
-                <a:spcPts val="500"/>
-              </a:spcBef>
-              <a:buFont typeface="Arial" panose="020B0604020202020204" pitchFamily="34" charset="0"/>
-              <a:buChar char="•"/>
-              <a:defRPr sz="1800" kern="1200">
-                <a:solidFill>
-                  <a:schemeClr val="tx1"/>
-                </a:solidFill>
-                <a:latin typeface="+mn-lt"/>
-                <a:ea typeface="+mn-ea"/>
-                <a:cs typeface="+mn-cs"/>
-              </a:defRPr>
-            </a:lvl4pPr>
-            <a:lvl5pPr marL="2057400" indent="-228600" algn="l" defTabSz="914400" rtl="0" eaLnBrk="1" latinLnBrk="0" hangingPunct="1">
-              <a:lnSpc>
-                <a:spcPct val="90000"/>
-              </a:lnSpc>
-              <a:spcBef>
-                <a:spcPts val="500"/>
-              </a:spcBef>
-              <a:buFont typeface="Arial" panose="020B0604020202020204" pitchFamily="34" charset="0"/>
-              <a:buChar char="•"/>
-              <a:defRPr sz="1800" kern="1200">
-                <a:solidFill>
-                  <a:schemeClr val="tx1"/>
-                </a:solidFill>
-                <a:latin typeface="+mn-lt"/>
-                <a:ea typeface="+mn-ea"/>
-                <a:cs typeface="+mn-cs"/>
-              </a:defRPr>
-            </a:lvl5pPr>
-            <a:lvl6pPr marL="2514600" indent="-228600" algn="l" defTabSz="914400" rtl="0" eaLnBrk="1" latinLnBrk="0" hangingPunct="1">
-              <a:lnSpc>
-                <a:spcPct val="90000"/>
-              </a:lnSpc>
-              <a:spcBef>
-                <a:spcPts val="500"/>
-              </a:spcBef>
-              <a:buFont typeface="Arial" panose="020B0604020202020204" pitchFamily="34" charset="0"/>
-              <a:buChar char="•"/>
-              <a:defRPr sz="1800" kern="1200">
-                <a:solidFill>
-                  <a:schemeClr val="tx1"/>
-                </a:solidFill>
-                <a:latin typeface="+mn-lt"/>
-                <a:ea typeface="+mn-ea"/>
-                <a:cs typeface="+mn-cs"/>
-              </a:defRPr>
-            </a:lvl6pPr>
-            <a:lvl7pPr marL="2971800" indent="-228600" algn="l" defTabSz="914400" rtl="0" eaLnBrk="1" latinLnBrk="0" hangingPunct="1">
-              <a:lnSpc>
-                <a:spcPct val="90000"/>
-              </a:lnSpc>
-              <a:spcBef>
-                <a:spcPts val="500"/>
-              </a:spcBef>
-              <a:buFont typeface="Arial" panose="020B0604020202020204" pitchFamily="34" charset="0"/>
-              <a:buChar char="•"/>
-              <a:defRPr sz="1800" kern="1200">
-                <a:solidFill>
-                  <a:schemeClr val="tx1"/>
-                </a:solidFill>
-                <a:latin typeface="+mn-lt"/>
-                <a:ea typeface="+mn-ea"/>
-                <a:cs typeface="+mn-cs"/>
-              </a:defRPr>
-            </a:lvl7pPr>
-            <a:lvl8pPr marL="3429000" indent="-228600" algn="l" defTabSz="914400" rtl="0" eaLnBrk="1" latinLnBrk="0" hangingPunct="1">
-              <a:lnSpc>
-                <a:spcPct val="90000"/>
-              </a:lnSpc>
-              <a:spcBef>
-                <a:spcPts val="500"/>
-              </a:spcBef>
-              <a:buFont typeface="Arial" panose="020B0604020202020204" pitchFamily="34" charset="0"/>
-              <a:buChar char="•"/>
-              <a:defRPr sz="1800" kern="1200">
-                <a:solidFill>
-                  <a:schemeClr val="tx1"/>
-                </a:solidFill>
-                <a:latin typeface="+mn-lt"/>
-                <a:ea typeface="+mn-ea"/>
-                <a:cs typeface="+mn-cs"/>
-              </a:defRPr>
-            </a:lvl8pPr>
-            <a:lvl9pPr marL="3886200" indent="-228600" algn="l" defTabSz="914400" rtl="0" eaLnBrk="1" latinLnBrk="0" hangingPunct="1">
-              <a:lnSpc>
-                <a:spcPct val="90000"/>
-              </a:lnSpc>
-              <a:spcBef>
-                <a:spcPts val="500"/>
-              </a:spcBef>
-              <a:buFont typeface="Arial" panose="020B0604020202020204" pitchFamily="34" charset="0"/>
-              <a:buChar char="•"/>
-              <a:defRPr sz="1800" kern="1200">
-                <a:solidFill>
-                  <a:schemeClr val="tx1"/>
-                </a:solidFill>
-                <a:latin typeface="+mn-lt"/>
-                <a:ea typeface="+mn-ea"/>
-                <a:cs typeface="+mn-cs"/>
-              </a:defRPr>
-            </a:lvl9pPr>
-          </a:lstStyle>
-          <a:p>
-            <a:pPr marL="0" indent="0" algn="ctr">
-              <a:buNone/>
-            </a:pPr>
-            <a:r>
-              <a:rPr lang="en-US" sz="2000" b="1" dirty="0">
-                <a:solidFill>
-                  <a:schemeClr val="tx2"/>
-                </a:solidFill>
-                <a:latin typeface="Raleway" pitchFamily="2" charset="0"/>
-              </a:rPr>
-              <a:t>Model Creation</a:t>
-            </a:r>
-            <a:endParaRPr lang="en-PH" sz="2000" b="1" dirty="0">
-              <a:solidFill>
-                <a:schemeClr val="tx2"/>
-              </a:solidFill>
-              <a:latin typeface="Raleway" pitchFamily="2" charset="0"/>
-            </a:endParaRPr>
-          </a:p>
-        </p:txBody>
-      </p:sp>
-      <p:sp>
-        <p:nvSpPr>
-          <p:cNvPr id="6" name="Text Placeholder 5">
-            <a:extLst>
-              <a:ext uri="{FF2B5EF4-FFF2-40B4-BE49-F238E27FC236}">
-                <a16:creationId xmlns:a16="http://schemas.microsoft.com/office/drawing/2014/main" id="{02D3C6E7-DF58-1DE4-56BA-948477E364E8}"/>
-              </a:ext>
-            </a:extLst>
-          </p:cNvPr>
-          <p:cNvSpPr txBox="1">
-            <a:spLocks/>
-          </p:cNvSpPr>
-          <p:nvPr/>
-        </p:nvSpPr>
-        <p:spPr>
-          <a:xfrm>
-            <a:off x="7948914" y="4670767"/>
-            <a:ext cx="3178216" cy="378690"/>
-          </a:xfrm>
-          <a:prstGeom prst="rect">
-            <a:avLst/>
-          </a:prstGeom>
-        </p:spPr>
-        <p:txBody>
-          <a:bodyPr>
-            <a:normAutofit/>
-          </a:bodyPr>
-          <a:lstStyle>
-            <a:lvl1pPr marL="228600" indent="-228600" algn="l" defTabSz="914400" rtl="0" eaLnBrk="1" latinLnBrk="0" hangingPunct="1">
-              <a:lnSpc>
-                <a:spcPct val="90000"/>
-              </a:lnSpc>
-              <a:spcBef>
-                <a:spcPts val="1000"/>
-              </a:spcBef>
-              <a:buFont typeface="Arial" panose="020B0604020202020204" pitchFamily="34" charset="0"/>
-              <a:buChar char="•"/>
-              <a:defRPr sz="2800" kern="1200">
-                <a:solidFill>
-                  <a:schemeClr val="tx1"/>
-                </a:solidFill>
-                <a:latin typeface="+mn-lt"/>
-                <a:ea typeface="+mn-ea"/>
-                <a:cs typeface="+mn-cs"/>
-              </a:defRPr>
-            </a:lvl1pPr>
-            <a:lvl2pPr marL="685800" indent="-228600" algn="l" defTabSz="914400" rtl="0" eaLnBrk="1" latinLnBrk="0" hangingPunct="1">
-              <a:lnSpc>
-                <a:spcPct val="90000"/>
-              </a:lnSpc>
-              <a:spcBef>
-                <a:spcPts val="500"/>
-              </a:spcBef>
-              <a:buFont typeface="Arial" panose="020B0604020202020204" pitchFamily="34" charset="0"/>
-              <a:buChar char="•"/>
-              <a:defRPr sz="2400" kern="1200">
-                <a:solidFill>
-                  <a:schemeClr val="tx1"/>
-                </a:solidFill>
-                <a:latin typeface="+mn-lt"/>
-                <a:ea typeface="+mn-ea"/>
-                <a:cs typeface="+mn-cs"/>
-              </a:defRPr>
-            </a:lvl2pPr>
-            <a:lvl3pPr marL="1143000" indent="-228600" algn="l" defTabSz="914400" rtl="0" eaLnBrk="1" latinLnBrk="0" hangingPunct="1">
-              <a:lnSpc>
-                <a:spcPct val="90000"/>
-              </a:lnSpc>
-              <a:spcBef>
-                <a:spcPts val="500"/>
-              </a:spcBef>
-              <a:buFont typeface="Arial" panose="020B0604020202020204" pitchFamily="34" charset="0"/>
-              <a:buChar char="•"/>
-              <a:defRPr sz="2000" kern="1200">
-                <a:solidFill>
-                  <a:schemeClr val="tx1"/>
-                </a:solidFill>
-                <a:latin typeface="+mn-lt"/>
-                <a:ea typeface="+mn-ea"/>
-                <a:cs typeface="+mn-cs"/>
-              </a:defRPr>
-            </a:lvl3pPr>
-            <a:lvl4pPr marL="1600200" indent="-228600" algn="l" defTabSz="914400" rtl="0" eaLnBrk="1" latinLnBrk="0" hangingPunct="1">
-              <a:lnSpc>
-                <a:spcPct val="90000"/>
-              </a:lnSpc>
-              <a:spcBef>
-                <a:spcPts val="500"/>
-              </a:spcBef>
-              <a:buFont typeface="Arial" panose="020B0604020202020204" pitchFamily="34" charset="0"/>
-              <a:buChar char="•"/>
-              <a:defRPr sz="1800" kern="1200">
-                <a:solidFill>
-                  <a:schemeClr val="tx1"/>
-                </a:solidFill>
-                <a:latin typeface="+mn-lt"/>
-                <a:ea typeface="+mn-ea"/>
-                <a:cs typeface="+mn-cs"/>
-              </a:defRPr>
-            </a:lvl4pPr>
-            <a:lvl5pPr marL="2057400" indent="-228600" algn="l" defTabSz="914400" rtl="0" eaLnBrk="1" latinLnBrk="0" hangingPunct="1">
-              <a:lnSpc>
-                <a:spcPct val="90000"/>
-              </a:lnSpc>
-              <a:spcBef>
-                <a:spcPts val="500"/>
-              </a:spcBef>
-              <a:buFont typeface="Arial" panose="020B0604020202020204" pitchFamily="34" charset="0"/>
-              <a:buChar char="•"/>
-              <a:defRPr sz="1800" kern="1200">
-                <a:solidFill>
-                  <a:schemeClr val="tx1"/>
-                </a:solidFill>
-                <a:latin typeface="+mn-lt"/>
-                <a:ea typeface="+mn-ea"/>
-                <a:cs typeface="+mn-cs"/>
-              </a:defRPr>
-            </a:lvl5pPr>
-            <a:lvl6pPr marL="2514600" indent="-228600" algn="l" defTabSz="914400" rtl="0" eaLnBrk="1" latinLnBrk="0" hangingPunct="1">
-              <a:lnSpc>
-                <a:spcPct val="90000"/>
-              </a:lnSpc>
-              <a:spcBef>
-                <a:spcPts val="500"/>
-              </a:spcBef>
-              <a:buFont typeface="Arial" panose="020B0604020202020204" pitchFamily="34" charset="0"/>
-              <a:buChar char="•"/>
-              <a:defRPr sz="1800" kern="1200">
-                <a:solidFill>
-                  <a:schemeClr val="tx1"/>
-                </a:solidFill>
-                <a:latin typeface="+mn-lt"/>
-                <a:ea typeface="+mn-ea"/>
-                <a:cs typeface="+mn-cs"/>
-              </a:defRPr>
-            </a:lvl6pPr>
-            <a:lvl7pPr marL="2971800" indent="-228600" algn="l" defTabSz="914400" rtl="0" eaLnBrk="1" latinLnBrk="0" hangingPunct="1">
-              <a:lnSpc>
-                <a:spcPct val="90000"/>
-              </a:lnSpc>
-              <a:spcBef>
-                <a:spcPts val="500"/>
-              </a:spcBef>
-              <a:buFont typeface="Arial" panose="020B0604020202020204" pitchFamily="34" charset="0"/>
-              <a:buChar char="•"/>
-              <a:defRPr sz="1800" kern="1200">
-                <a:solidFill>
-                  <a:schemeClr val="tx1"/>
-                </a:solidFill>
-                <a:latin typeface="+mn-lt"/>
-                <a:ea typeface="+mn-ea"/>
-                <a:cs typeface="+mn-cs"/>
-              </a:defRPr>
-            </a:lvl7pPr>
-            <a:lvl8pPr marL="3429000" indent="-228600" algn="l" defTabSz="914400" rtl="0" eaLnBrk="1" latinLnBrk="0" hangingPunct="1">
-              <a:lnSpc>
-                <a:spcPct val="90000"/>
-              </a:lnSpc>
-              <a:spcBef>
-                <a:spcPts val="500"/>
-              </a:spcBef>
-              <a:buFont typeface="Arial" panose="020B0604020202020204" pitchFamily="34" charset="0"/>
-              <a:buChar char="•"/>
-              <a:defRPr sz="1800" kern="1200">
-                <a:solidFill>
-                  <a:schemeClr val="tx1"/>
-                </a:solidFill>
-                <a:latin typeface="+mn-lt"/>
-                <a:ea typeface="+mn-ea"/>
-                <a:cs typeface="+mn-cs"/>
-              </a:defRPr>
-            </a:lvl8pPr>
-            <a:lvl9pPr marL="3886200" indent="-228600" algn="l" defTabSz="914400" rtl="0" eaLnBrk="1" latinLnBrk="0" hangingPunct="1">
-              <a:lnSpc>
-                <a:spcPct val="90000"/>
-              </a:lnSpc>
-              <a:spcBef>
-                <a:spcPts val="500"/>
-              </a:spcBef>
-              <a:buFont typeface="Arial" panose="020B0604020202020204" pitchFamily="34" charset="0"/>
-              <a:buChar char="•"/>
-              <a:defRPr sz="1800" kern="1200">
-                <a:solidFill>
-                  <a:schemeClr val="tx1"/>
-                </a:solidFill>
-                <a:latin typeface="+mn-lt"/>
-                <a:ea typeface="+mn-ea"/>
-                <a:cs typeface="+mn-cs"/>
-              </a:defRPr>
-            </a:lvl9pPr>
-          </a:lstStyle>
-          <a:p>
-            <a:pPr marL="0" indent="0" algn="ctr">
-              <a:buNone/>
-            </a:pPr>
-            <a:r>
-              <a:rPr lang="en-US" sz="2000" b="1" dirty="0">
-                <a:solidFill>
-                  <a:schemeClr val="tx2"/>
-                </a:solidFill>
-                <a:latin typeface="Raleway" pitchFamily="2" charset="0"/>
-              </a:rPr>
-              <a:t>Deployment</a:t>
-            </a:r>
-            <a:endParaRPr lang="en-PH" sz="2000" b="1" dirty="0">
-              <a:solidFill>
-                <a:schemeClr val="tx2"/>
-              </a:solidFill>
-              <a:latin typeface="Raleway" pitchFamily="2" charset="0"/>
-            </a:endParaRPr>
-          </a:p>
-        </p:txBody>
-      </p:sp>
-      <p:pic>
-        <p:nvPicPr>
-          <p:cNvPr id="5122" name="Picture 2" descr="white printing paper with numbers">
-            <a:extLst>
-              <a:ext uri="{FF2B5EF4-FFF2-40B4-BE49-F238E27FC236}">
-                <a16:creationId xmlns:a16="http://schemas.microsoft.com/office/drawing/2014/main" id="{8458CC6C-C542-8D9D-05F6-1E47B73ACE11}"/>
-              </a:ext>
-            </a:extLst>
-          </p:cNvPr>
-          <p:cNvPicPr>
-            <a:picLocks noChangeAspect="1" noChangeArrowheads="1"/>
-          </p:cNvPicPr>
-          <p:nvPr/>
-        </p:nvPicPr>
-        <p:blipFill rotWithShape="1">
-          <a:blip r:embed="rId4">
-            <a:extLst>
-              <a:ext uri="{28A0092B-C50C-407E-A947-70E740481C1C}">
-                <a14:useLocalDpi xmlns:a14="http://schemas.microsoft.com/office/drawing/2010/main" val="0"/>
-              </a:ext>
-            </a:extLst>
-          </a:blip>
-          <a:srcRect b="25665"/>
-          <a:stretch/>
-        </p:blipFill>
-        <p:spPr bwMode="auto">
-          <a:xfrm>
-            <a:off x="899932" y="3197222"/>
-            <a:ext cx="2880000" cy="1430095"/>
-          </a:xfrm>
-          <a:prstGeom prst="roundRect">
-            <a:avLst/>
-          </a:prstGeom>
-          <a:noFill/>
-          <a:extLst>
-            <a:ext uri="{909E8E84-426E-40DD-AFC4-6F175D3DCCD1}">
-              <a14:hiddenFill xmlns:a14="http://schemas.microsoft.com/office/drawing/2010/main">
-                <a:solidFill>
-                  <a:srgbClr val="FFFFFF"/>
-                </a:solidFill>
-              </a14:hiddenFill>
-            </a:ext>
-          </a:extLst>
-        </p:spPr>
-      </p:pic>
-      <p:pic>
-        <p:nvPicPr>
-          <p:cNvPr id="5124" name="Picture 4" descr="worm's eye-view photography of ceiling">
-            <a:extLst>
-              <a:ext uri="{FF2B5EF4-FFF2-40B4-BE49-F238E27FC236}">
-                <a16:creationId xmlns:a16="http://schemas.microsoft.com/office/drawing/2014/main" id="{68C33FF9-94A6-302C-2C70-D4AB8C4940DD}"/>
-              </a:ext>
-            </a:extLst>
-          </p:cNvPr>
-          <p:cNvPicPr>
-            <a:picLocks noChangeAspect="1" noChangeArrowheads="1"/>
-          </p:cNvPicPr>
-          <p:nvPr/>
-        </p:nvPicPr>
-        <p:blipFill rotWithShape="1">
-          <a:blip r:embed="rId5">
-            <a:extLst>
-              <a:ext uri="{28A0092B-C50C-407E-A947-70E740481C1C}">
-                <a14:useLocalDpi xmlns:a14="http://schemas.microsoft.com/office/drawing/2010/main" val="0"/>
-              </a:ext>
-            </a:extLst>
-          </a:blip>
-          <a:srcRect t="25665"/>
-          <a:stretch/>
-        </p:blipFill>
-        <p:spPr bwMode="auto">
-          <a:xfrm>
-            <a:off x="4573531" y="3197222"/>
-            <a:ext cx="2880000" cy="1430095"/>
-          </a:xfrm>
-          <a:prstGeom prst="roundRect">
-            <a:avLst/>
-          </a:prstGeom>
-          <a:noFill/>
-          <a:extLst>
-            <a:ext uri="{909E8E84-426E-40DD-AFC4-6F175D3DCCD1}">
-              <a14:hiddenFill xmlns:a14="http://schemas.microsoft.com/office/drawing/2010/main">
-                <a:solidFill>
-                  <a:srgbClr val="FFFFFF"/>
-                </a:solidFill>
-              </a14:hiddenFill>
-            </a:ext>
-          </a:extLst>
-        </p:spPr>
-      </p:pic>
-      <p:pic>
-        <p:nvPicPr>
-          <p:cNvPr id="5126" name="Picture 6" descr="shallow focus photography of computer codes">
-            <a:extLst>
-              <a:ext uri="{FF2B5EF4-FFF2-40B4-BE49-F238E27FC236}">
-                <a16:creationId xmlns:a16="http://schemas.microsoft.com/office/drawing/2014/main" id="{68D719D4-8F5D-827A-5F3E-464C2C07DF4A}"/>
-              </a:ext>
-            </a:extLst>
-          </p:cNvPr>
-          <p:cNvPicPr>
-            <a:picLocks noChangeAspect="1" noChangeArrowheads="1"/>
-          </p:cNvPicPr>
-          <p:nvPr/>
-        </p:nvPicPr>
-        <p:blipFill rotWithShape="1">
-          <a:blip r:embed="rId6">
-            <a:extLst>
-              <a:ext uri="{28A0092B-C50C-407E-A947-70E740481C1C}">
-                <a14:useLocalDpi xmlns:a14="http://schemas.microsoft.com/office/drawing/2010/main" val="0"/>
-              </a:ext>
-            </a:extLst>
-          </a:blip>
-          <a:srcRect t="25252"/>
-          <a:stretch/>
-        </p:blipFill>
-        <p:spPr bwMode="auto">
-          <a:xfrm>
-            <a:off x="8247130" y="3197221"/>
-            <a:ext cx="2880000" cy="1435883"/>
-          </a:xfrm>
-          <a:prstGeom prst="roundRect">
-            <a:avLst/>
-          </a:prstGeom>
-          <a:noFill/>
-          <a:extLst>
-            <a:ext uri="{909E8E84-426E-40DD-AFC4-6F175D3DCCD1}">
-              <a14:hiddenFill xmlns:a14="http://schemas.microsoft.com/office/drawing/2010/main">
-                <a:solidFill>
-                  <a:srgbClr val="FFFFFF"/>
-                </a:solidFill>
-              </a14:hiddenFill>
-            </a:ext>
-          </a:extLst>
-        </p:spPr>
-      </p:pic>
-    </p:spTree>
-    <p:extLst>
-      <p:ext uri="{BB962C8B-B14F-4D97-AF65-F5344CB8AC3E}">
-        <p14:creationId xmlns:p14="http://schemas.microsoft.com/office/powerpoint/2010/main" val="1646010156"/>
-      </p:ext>
-    </p:extLst>
-  </p:cSld>
-  <p:clrMapOvr>
-    <a:masterClrMapping/>
-  </p:clrMapOvr>
-</p:sld>
-</file>
-
-<file path=ppt/slides/slide9.xml><?xml version="1.0" encoding="utf-8"?>
-<p:sld xmlns:a="http://schemas.openxmlformats.org/drawingml/2006/main" xmlns:r="http://schemas.openxmlformats.org/officeDocument/2006/relationships" xmlns:p="http://schemas.openxmlformats.org/presentationml/2006/main">
-  <p:cSld>
-    <p:bg>
-      <p:bgPr>
-        <a:blipFill dpi="0" rotWithShape="1">
-          <a:blip r:embed="rId2">
-            <a:lum/>
-          </a:blip>
-          <a:srcRect/>
-          <a:stretch>
-            <a:fillRect/>
-          </a:stretch>
-        </a:blipFill>
-        <a:effectLst/>
-      </p:bgPr>
-    </p:bg>
-    <p:spTree>
-      <p:nvGrpSpPr>
-        <p:cNvPr id="1" name=""/>
-        <p:cNvGrpSpPr/>
-        <p:nvPr/>
-      </p:nvGrpSpPr>
-      <p:grpSpPr>
-        <a:xfrm>
-          <a:off x="0" y="0"/>
-          <a:ext cx="0" cy="0"/>
-          <a:chOff x="0" y="0"/>
-          <a:chExt cx="0" cy="0"/>
-        </a:xfrm>
-      </p:grpSpPr>
-      <p:sp>
-        <p:nvSpPr>
-          <p:cNvPr id="2" name="Title 1">
-            <a:extLst>
-              <a:ext uri="{FF2B5EF4-FFF2-40B4-BE49-F238E27FC236}">
-                <a16:creationId xmlns:a16="http://schemas.microsoft.com/office/drawing/2014/main" id="{80BEEFC6-AB98-532D-495D-316BEFFD2A95}"/>
-              </a:ext>
-            </a:extLst>
-          </p:cNvPr>
-          <p:cNvSpPr>
-            <a:spLocks noGrp="1"/>
-          </p:cNvSpPr>
-          <p:nvPr>
-            <p:ph type="title"/>
-          </p:nvPr>
-        </p:nvSpPr>
-        <p:spPr>
-          <a:xfrm>
-            <a:off x="838200" y="1933575"/>
-            <a:ext cx="10515600" cy="2971800"/>
-          </a:xfrm>
-        </p:spPr>
-        <p:txBody>
-          <a:bodyPr>
-            <a:normAutofit/>
-          </a:bodyPr>
-          <a:lstStyle/>
-          <a:p>
-            <a:pPr algn="ctr"/>
-            <a:r>
-              <a:rPr lang="en-US" sz="6000" dirty="0"/>
-              <a:t>What does a machine workflow look like?</a:t>
-            </a:r>
-            <a:endParaRPr lang="en-PH" sz="6000" dirty="0"/>
-          </a:p>
-        </p:txBody>
-      </p:sp>
-    </p:spTree>
-    <p:extLst>
-      <p:ext uri="{BB962C8B-B14F-4D97-AF65-F5344CB8AC3E}">
-        <p14:creationId xmlns:p14="http://schemas.microsoft.com/office/powerpoint/2010/main" val="1860130481"/>
-      </p:ext>
-    </p:extLst>
-  </p:cSld>
-  <p:clrMapOvr>
-    <a:masterClrMapping/>
-  </p:clrMapOvr>
 </p:sld>
 </file>
 
